--- a/src/ppt.pptx
+++ b/src/ppt.pptx
@@ -1,42 +1,39 @@
 
 <file path=ppt/presentation.xml><?xml version="1.0" encoding="utf-8"?>
-<p:presentation xmlns:a="http://schemas.openxmlformats.org/drawingml/2006/main" xmlns:r="http://schemas.openxmlformats.org/officeDocument/2006/relationships" xmlns:p="http://schemas.openxmlformats.org/presentationml/2006/main" showSpecialPlsOnTitleSld="0" saveSubsetFonts="1">
+<p:presentation xmlns:a="http://schemas.openxmlformats.org/drawingml/2006/main" xmlns:r="http://schemas.openxmlformats.org/officeDocument/2006/relationships" xmlns:p="http://schemas.openxmlformats.org/presentationml/2006/main" showSpecialPlsOnTitleSld="0">
   <p:sldMasterIdLst>
     <p:sldMasterId id="2147483648" r:id="rId1"/>
   </p:sldMasterIdLst>
   <p:notesMasterIdLst>
-    <p:notesMasterId r:id="rId22"/>
+    <p:notesMasterId r:id="rId23"/>
   </p:notesMasterIdLst>
   <p:handoutMasterIdLst>
-    <p:handoutMasterId r:id="rId23"/>
+    <p:handoutMasterId r:id="rId24"/>
   </p:handoutMasterIdLst>
   <p:sldIdLst>
-    <p:sldId id="287" r:id="rId2"/>
-    <p:sldId id="288" r:id="rId3"/>
-    <p:sldId id="289" r:id="rId4"/>
-    <p:sldId id="296" r:id="rId5"/>
-    <p:sldId id="297" r:id="rId6"/>
-    <p:sldId id="303" r:id="rId7"/>
-    <p:sldId id="312" r:id="rId8"/>
-    <p:sldId id="291" r:id="rId9"/>
-    <p:sldId id="302" r:id="rId10"/>
-    <p:sldId id="301" r:id="rId11"/>
-    <p:sldId id="299" r:id="rId12"/>
-    <p:sldId id="304" r:id="rId13"/>
-    <p:sldId id="305" r:id="rId14"/>
-    <p:sldId id="306" r:id="rId15"/>
-    <p:sldId id="307" r:id="rId16"/>
-    <p:sldId id="308" r:id="rId17"/>
-    <p:sldId id="309" r:id="rId18"/>
-    <p:sldId id="310" r:id="rId19"/>
-    <p:sldId id="311" r:id="rId20"/>
-    <p:sldId id="293" r:id="rId21"/>
+    <p:sldId id="287" r:id="rId3"/>
+    <p:sldId id="288" r:id="rId4"/>
+    <p:sldId id="289" r:id="rId5"/>
+    <p:sldId id="296" r:id="rId6"/>
+    <p:sldId id="297" r:id="rId7"/>
+    <p:sldId id="303" r:id="rId8"/>
+    <p:sldId id="312" r:id="rId9"/>
+    <p:sldId id="291" r:id="rId10"/>
+    <p:sldId id="302" r:id="rId11"/>
+    <p:sldId id="301" r:id="rId12"/>
+    <p:sldId id="299" r:id="rId13"/>
+    <p:sldId id="304" r:id="rId14"/>
+    <p:sldId id="305" r:id="rId15"/>
+    <p:sldId id="306" r:id="rId16"/>
+    <p:sldId id="307" r:id="rId17"/>
+    <p:sldId id="308" r:id="rId18"/>
+    <p:sldId id="309" r:id="rId19"/>
+    <p:sldId id="310" r:id="rId20"/>
+    <p:sldId id="311" r:id="rId21"/>
+    <p:sldId id="293" r:id="rId22"/>
   </p:sldIdLst>
   <p:sldSz cx="12192000" cy="6858000"/>
   <p:notesSz cx="6858000" cy="9144000"/>
-  <p:custDataLst>
-    <p:tags r:id="rId24"/>
-  </p:custDataLst>
   <p:defaultTextStyle>
     <a:defPPr>
       <a:defRPr lang="zh-CN"/>
@@ -132,67 +129,12 @@
       </a:defRPr>
     </a:lvl9pPr>
   </p:defaultTextStyle>
-  <p:extLst>
-    <p:ext uri="{EFAFB233-063F-42B5-8137-9DF3F51BA10A}">
-      <p15:sldGuideLst xmlns:p15="http://schemas.microsoft.com/office/powerpoint/2012/main">
-        <p15:guide id="1" orient="horz" pos="2288" userDrawn="1">
-          <p15:clr>
-            <a:srgbClr val="A4A3A4"/>
-          </p15:clr>
-        </p15:guide>
-        <p15:guide id="2" pos="3840" userDrawn="1">
-          <p15:clr>
-            <a:srgbClr val="A4A3A4"/>
-          </p15:clr>
-        </p15:guide>
-        <p15:guide id="3" pos="416" userDrawn="1">
-          <p15:clr>
-            <a:srgbClr val="A4A3A4"/>
-          </p15:clr>
-        </p15:guide>
-        <p15:guide id="4" pos="7256" userDrawn="1">
-          <p15:clr>
-            <a:srgbClr val="A4A3A4"/>
-          </p15:clr>
-        </p15:guide>
-        <p15:guide id="5" orient="horz" pos="648" userDrawn="1">
-          <p15:clr>
-            <a:srgbClr val="A4A3A4"/>
-          </p15:clr>
-        </p15:guide>
-        <p15:guide id="6" orient="horz" pos="712" userDrawn="1">
-          <p15:clr>
-            <a:srgbClr val="A4A3A4"/>
-          </p15:clr>
-        </p15:guide>
-        <p15:guide id="7" orient="horz" pos="3928" userDrawn="1">
-          <p15:clr>
-            <a:srgbClr val="A4A3A4"/>
-          </p15:clr>
-        </p15:guide>
-        <p15:guide id="8" orient="horz" pos="3864" userDrawn="1">
-          <p15:clr>
-            <a:srgbClr val="A4A3A4"/>
-          </p15:clr>
-        </p15:guide>
-      </p15:sldGuideLst>
-    </p:ext>
-    <p:ext uri="{2D200454-40CA-4A62-9FC3-DE9A4176ACB9}">
-      <p15:notesGuideLst xmlns:p15="http://schemas.microsoft.com/office/powerpoint/2012/main"/>
-    </p:ext>
-  </p:extLst>
 </p:presentation>
 </file>
 
 <file path=ppt/commentAuthors.xml><?xml version="1.0" encoding="utf-8"?>
 <p:cmAuthorLst xmlns:a="http://schemas.openxmlformats.org/drawingml/2006/main" xmlns:r="http://schemas.openxmlformats.org/officeDocument/2006/relationships" xmlns:p="http://schemas.openxmlformats.org/presentationml/2006/main">
-  <p:cmAuthor id="1" name="yang linyuan" initials="yl" lastIdx="1" clrIdx="0">
-    <p:extLst>
-      <p:ext uri="{19B8F6BF-5375-455C-9EA6-DF929625EA0E}">
-        <p15:presenceInfo xmlns:p15="http://schemas.microsoft.com/office/powerpoint/2012/main" userId="abbb99c2be747aca" providerId="Windows Live"/>
-      </p:ext>
-    </p:extLst>
-  </p:cmAuthor>
+  <p:cmAuthor id="1" name="yang linyuan" initials="yl" lastIdx="1" clrIdx="0"/>
 </p:cmAuthorLst>
 </file>
 
@@ -220,13 +162,7 @@
       </p:grpSpPr>
       <p:sp>
         <p:nvSpPr>
-          <p:cNvPr id="2" name="页眉占位符 1">
-            <a:extLst>
-              <a:ext uri="{FF2B5EF4-FFF2-40B4-BE49-F238E27FC236}">
-                <a16:creationId xmlns:a16="http://schemas.microsoft.com/office/drawing/2014/main" id="{B9A56829-66AA-42AA-918E-5C6DB1AE50A7}"/>
-              </a:ext>
-            </a:extLst>
-          </p:cNvPr>
+          <p:cNvPr id="2" name="页眉占位符 1"/>
           <p:cNvSpPr>
             <a:spLocks noGrp="1"/>
           </p:cNvSpPr>
@@ -257,13 +193,7 @@
       </p:sp>
       <p:sp>
         <p:nvSpPr>
-          <p:cNvPr id="3" name="日期占位符 2">
-            <a:extLst>
-              <a:ext uri="{FF2B5EF4-FFF2-40B4-BE49-F238E27FC236}">
-                <a16:creationId xmlns:a16="http://schemas.microsoft.com/office/drawing/2014/main" id="{241084A9-BC5C-4420-B17C-51E328D45576}"/>
-              </a:ext>
-            </a:extLst>
-          </p:cNvPr>
+          <p:cNvPr id="3" name="日期占位符 2"/>
           <p:cNvSpPr>
             <a:spLocks noGrp="1"/>
           </p:cNvSpPr>
@@ -290,7 +220,6 @@
           <a:p>
             <a:fld id="{B478E0E4-DC06-4041-AFA7-BB6F527FFA3F}" type="datetimeFigureOut">
               <a:rPr lang="zh-CN" altLang="en-US" smtClean="0"/>
-              <a:t>2020/12/23</a:t>
             </a:fld>
             <a:endParaRPr lang="zh-CN" altLang="en-US"/>
           </a:p>
@@ -298,13 +227,7 @@
       </p:sp>
       <p:sp>
         <p:nvSpPr>
-          <p:cNvPr id="4" name="页脚占位符 3">
-            <a:extLst>
-              <a:ext uri="{FF2B5EF4-FFF2-40B4-BE49-F238E27FC236}">
-                <a16:creationId xmlns:a16="http://schemas.microsoft.com/office/drawing/2014/main" id="{0D6F2124-7B35-4E59-B9E8-DB09EE1408A4}"/>
-              </a:ext>
-            </a:extLst>
-          </p:cNvPr>
+          <p:cNvPr id="4" name="页脚占位符 3"/>
           <p:cNvSpPr>
             <a:spLocks noGrp="1"/>
           </p:cNvSpPr>
@@ -335,13 +258,7 @@
       </p:sp>
       <p:sp>
         <p:nvSpPr>
-          <p:cNvPr id="5" name="灯片编号占位符 4">
-            <a:extLst>
-              <a:ext uri="{FF2B5EF4-FFF2-40B4-BE49-F238E27FC236}">
-                <a16:creationId xmlns:a16="http://schemas.microsoft.com/office/drawing/2014/main" id="{F2BF8FFE-D997-4E34-9A01-CD2014B95241}"/>
-              </a:ext>
-            </a:extLst>
-          </p:cNvPr>
+          <p:cNvPr id="5" name="灯片编号占位符 4"/>
           <p:cNvSpPr>
             <a:spLocks noGrp="1"/>
           </p:cNvSpPr>
@@ -368,18 +285,12 @@
           <a:p>
             <a:fld id="{B14B7432-8BB0-4EFA-A417-EFCDC17B2811}" type="slidenum">
               <a:rPr lang="zh-CN" altLang="en-US" smtClean="0"/>
-              <a:t>‹#›</a:t>
             </a:fld>
             <a:endParaRPr lang="zh-CN" altLang="en-US"/>
           </a:p>
         </p:txBody>
       </p:sp>
     </p:spTree>
-    <p:extLst>
-      <p:ext uri="{BB962C8B-B14F-4D97-AF65-F5344CB8AC3E}">
-        <p14:creationId xmlns:p14="http://schemas.microsoft.com/office/powerpoint/2010/main" val="1081553882"/>
-      </p:ext>
-    </p:extLst>
   </p:cSld>
   <p:clrMap bg1="lt1" tx1="dk1" bg2="lt2" tx2="dk2" accent1="accent1" accent2="accent2" accent3="accent3" accent4="accent4" accent5="accent5" accent6="accent6" hlink="hlink" folHlink="folHlink"/>
 </p:handoutMaster>
@@ -467,7 +378,6 @@
           <a:p>
             <a:fld id="{E86D8963-CFCD-4740-AF60-049850373CDF}" type="datetimeFigureOut">
               <a:rPr lang="zh-CN" altLang="en-US" smtClean="0"/>
-              <a:t>2020/12/23</a:t>
             </a:fld>
             <a:endParaRPr lang="zh-CN" altLang="en-US"/>
           </a:p>
@@ -534,6 +444,7 @@
               <a:rPr lang="zh-CN" altLang="en-US"/>
               <a:t>单击此处编辑母版文本样式</a:t>
             </a:r>
+            <a:endParaRPr lang="zh-CN" altLang="en-US"/>
           </a:p>
           <a:p>
             <a:pPr lvl="1"/>
@@ -541,6 +452,7 @@
               <a:rPr lang="zh-CN" altLang="en-US"/>
               <a:t>第二级</a:t>
             </a:r>
+            <a:endParaRPr lang="zh-CN" altLang="en-US"/>
           </a:p>
           <a:p>
             <a:pPr lvl="2"/>
@@ -548,6 +460,7 @@
               <a:rPr lang="zh-CN" altLang="en-US"/>
               <a:t>第三级</a:t>
             </a:r>
+            <a:endParaRPr lang="zh-CN" altLang="en-US"/>
           </a:p>
           <a:p>
             <a:pPr lvl="3"/>
@@ -555,6 +468,7 @@
               <a:rPr lang="zh-CN" altLang="en-US"/>
               <a:t>第四级</a:t>
             </a:r>
+            <a:endParaRPr lang="zh-CN" altLang="en-US"/>
           </a:p>
           <a:p>
             <a:pPr lvl="4"/>
@@ -562,6 +476,7 @@
               <a:rPr lang="zh-CN" altLang="en-US"/>
               <a:t>第五级</a:t>
             </a:r>
+            <a:endParaRPr lang="zh-CN" altLang="en-US"/>
           </a:p>
         </p:txBody>
       </p:sp>
@@ -625,18 +540,12 @@
           <a:p>
             <a:fld id="{E9E6FDB6-6D2B-46C1-9FA1-D82906A37C3A}" type="slidenum">
               <a:rPr lang="zh-CN" altLang="en-US" smtClean="0"/>
-              <a:t>‹#›</a:t>
             </a:fld>
             <a:endParaRPr lang="zh-CN" altLang="en-US"/>
           </a:p>
         </p:txBody>
       </p:sp>
     </p:spTree>
-    <p:extLst>
-      <p:ext uri="{BB962C8B-B14F-4D97-AF65-F5344CB8AC3E}">
-        <p14:creationId xmlns:p14="http://schemas.microsoft.com/office/powerpoint/2010/main" val="2184981559"/>
-      </p:ext>
-    </p:extLst>
   </p:cSld>
   <p:clrMap bg1="lt1" tx1="dk1" bg2="lt2" tx2="dk2" accent1="accent1" accent2="accent2" accent3="accent3" accent4="accent4" accent5="accent5" accent6="accent6" hlink="hlink" folHlink="folHlink"/>
   <p:notesStyle>
@@ -735,7 +644,7 @@
 </file>
 
 <file path=ppt/slideLayouts/slideLayout1.xml><?xml version="1.0" encoding="utf-8"?>
-<p:sldLayout xmlns:a="http://schemas.openxmlformats.org/drawingml/2006/main" xmlns:r="http://schemas.openxmlformats.org/officeDocument/2006/relationships" xmlns:p="http://schemas.openxmlformats.org/presentationml/2006/main" showMasterSp="0" type="title" preserve="1" userDrawn="1">
+<p:sldLayout xmlns:a="http://schemas.openxmlformats.org/drawingml/2006/main" xmlns:r="http://schemas.openxmlformats.org/officeDocument/2006/relationships" xmlns:p="http://schemas.openxmlformats.org/presentationml/2006/main" type="title" preserve="1" showMasterSp="0" userDrawn="1">
   <p:cSld name="标题幻灯片">
     <p:spTree>
       <p:nvGrpSpPr>
@@ -768,7 +677,9 @@
             </a:extLst>
           </a:blip>
           <a:srcRect/>
-          <a:stretch/>
+          <a:stretch>
+            <a:fillRect/>
+          </a:stretch>
         </p:blipFill>
         <p:spPr>
           <a:xfrm>
@@ -787,7 +698,7 @@
             <a:spLocks noGrp="1"/>
           </p:cNvSpPr>
           <p:nvPr userDrawn="1">
-            <p:ph type="subTitle" idx="1" hasCustomPrompt="1"/>
+            <p:ph type="subTitle" idx="1"/>
           </p:nvPr>
         </p:nvSpPr>
         <p:spPr>
@@ -811,35 +722,35 @@
                 </a:solidFill>
               </a:defRPr>
             </a:lvl1pPr>
-            <a:lvl2pPr marL="457178" indent="0" algn="ctr">
+            <a:lvl2pPr marL="457200" indent="0" algn="ctr">
               <a:buNone/>
               <a:defRPr sz="2000"/>
             </a:lvl2pPr>
-            <a:lvl3pPr marL="914354" indent="0" algn="ctr">
+            <a:lvl3pPr marL="914400" indent="0" algn="ctr">
               <a:buNone/>
               <a:defRPr sz="1800"/>
             </a:lvl3pPr>
-            <a:lvl4pPr marL="1371532" indent="0" algn="ctr">
+            <a:lvl4pPr marL="1371600" indent="0" algn="ctr">
               <a:buNone/>
               <a:defRPr sz="1600"/>
             </a:lvl4pPr>
-            <a:lvl5pPr marL="1828709" indent="0" algn="ctr">
+            <a:lvl5pPr marL="1828800" indent="0" algn="ctr">
               <a:buNone/>
               <a:defRPr sz="1600"/>
             </a:lvl5pPr>
-            <a:lvl6pPr marL="2285886" indent="0" algn="ctr">
+            <a:lvl6pPr marL="2286000" indent="0" algn="ctr">
               <a:buNone/>
               <a:defRPr sz="1600"/>
             </a:lvl6pPr>
-            <a:lvl7pPr marL="2743062" indent="0" algn="ctr">
+            <a:lvl7pPr marL="2743200" indent="0" algn="ctr">
               <a:buNone/>
               <a:defRPr sz="1600"/>
             </a:lvl7pPr>
-            <a:lvl8pPr marL="3200240" indent="0" algn="ctr">
+            <a:lvl8pPr marL="3200400" indent="0" algn="ctr">
               <a:buNone/>
               <a:defRPr sz="1600"/>
             </a:lvl8pPr>
-            <a:lvl9pPr marL="3657418" indent="0" algn="ctr">
+            <a:lvl9pPr marL="3657600" indent="0" algn="ctr">
               <a:buNone/>
               <a:defRPr sz="1600"/>
             </a:lvl9pPr>
@@ -849,6 +760,7 @@
               <a:rPr lang="en-US" dirty="0"/>
               <a:t>Click to edit Master subtitle style</a:t>
             </a:r>
+            <a:endParaRPr lang="en-US" dirty="0"/>
           </a:p>
         </p:txBody>
       </p:sp>
@@ -859,7 +771,7 @@
             <a:spLocks noGrp="1"/>
           </p:cNvSpPr>
           <p:nvPr userDrawn="1">
-            <p:ph type="ctrTitle" hasCustomPrompt="1"/>
+            <p:ph type="ctrTitle"/>
           </p:nvPr>
         </p:nvSpPr>
         <p:spPr>
@@ -920,19 +832,19 @@
                 </a:solidFill>
               </a:defRPr>
             </a:lvl1pPr>
-            <a:lvl2pPr marL="457177" indent="0">
+            <a:lvl2pPr marL="457200" indent="0">
               <a:buNone/>
               <a:defRPr/>
             </a:lvl2pPr>
-            <a:lvl3pPr marL="914353" indent="0">
+            <a:lvl3pPr marL="914400" indent="0">
               <a:buNone/>
               <a:defRPr/>
             </a:lvl3pPr>
-            <a:lvl4pPr marL="1371531" indent="0">
+            <a:lvl4pPr marL="1371600" indent="0">
               <a:buNone/>
               <a:defRPr/>
             </a:lvl4pPr>
-            <a:lvl5pPr marL="1828709" indent="0">
+            <a:lvl5pPr marL="1828800" indent="0">
               <a:buNone/>
               <a:defRPr/>
             </a:lvl5pPr>
@@ -943,6 +855,7 @@
               <a:rPr lang="en-US" altLang="zh-CN" dirty="0"/>
               <a:t>Signature</a:t>
             </a:r>
+            <a:endParaRPr lang="en-US" altLang="zh-CN" dirty="0"/>
           </a:p>
         </p:txBody>
       </p:sp>
@@ -975,19 +888,19 @@
                 </a:solidFill>
               </a:defRPr>
             </a:lvl1pPr>
-            <a:lvl2pPr marL="457177" indent="0">
+            <a:lvl2pPr marL="457200" indent="0">
               <a:buNone/>
               <a:defRPr/>
             </a:lvl2pPr>
-            <a:lvl3pPr marL="914353" indent="0">
+            <a:lvl3pPr marL="914400" indent="0">
               <a:buNone/>
               <a:defRPr/>
             </a:lvl3pPr>
-            <a:lvl4pPr marL="1371531" indent="0">
+            <a:lvl4pPr marL="1371600" indent="0">
               <a:buNone/>
               <a:defRPr/>
             </a:lvl4pPr>
-            <a:lvl5pPr marL="1828709" indent="0">
+            <a:lvl5pPr marL="1828800" indent="0">
               <a:buNone/>
               <a:defRPr/>
             </a:lvl5pPr>
@@ -1003,11 +916,6 @@
         </p:txBody>
       </p:sp>
     </p:spTree>
-    <p:extLst>
-      <p:ext uri="{BB962C8B-B14F-4D97-AF65-F5344CB8AC3E}">
-        <p14:creationId xmlns:p14="http://schemas.microsoft.com/office/powerpoint/2010/main" val="2882586885"/>
-      </p:ext>
-    </p:extLst>
   </p:cSld>
   <p:clrMapOvr>
     <a:overrideClrMapping bg1="lt1" tx1="dk1" bg2="lt2" tx2="dk2" accent1="accent1" accent2="accent2" accent3="accent3" accent4="accent4" accent5="accent5" accent6="accent6" hlink="hlink" folHlink="folHlink"/>
@@ -1016,7 +924,7 @@
 </file>
 
 <file path=ppt/slideLayouts/slideLayout2.xml><?xml version="1.0" encoding="utf-8"?>
-<p:sldLayout xmlns:a="http://schemas.openxmlformats.org/drawingml/2006/main" xmlns:r="http://schemas.openxmlformats.org/officeDocument/2006/relationships" xmlns:p="http://schemas.openxmlformats.org/presentationml/2006/main" showMasterSp="0" preserve="1" userDrawn="1">
+<p:sldLayout xmlns:a="http://schemas.openxmlformats.org/drawingml/2006/main" xmlns:r="http://schemas.openxmlformats.org/officeDocument/2006/relationships" xmlns:p="http://schemas.openxmlformats.org/presentationml/2006/main" preserve="1" showMasterSp="0" userDrawn="1">
   <p:cSld name="自定义版式">
     <p:spTree>
       <p:nvGrpSpPr>
@@ -1049,7 +957,9 @@
             </a:extLst>
           </a:blip>
           <a:srcRect/>
-          <a:stretch/>
+          <a:stretch>
+            <a:fillRect/>
+          </a:stretch>
         </p:blipFill>
         <p:spPr>
           <a:xfrm>
@@ -1063,18 +973,12 @@
       </p:pic>
       <p:sp>
         <p:nvSpPr>
-          <p:cNvPr id="13" name="内容占位符 12">
-            <a:extLst>
-              <a:ext uri="{FF2B5EF4-FFF2-40B4-BE49-F238E27FC236}">
-                <a16:creationId xmlns:a16="http://schemas.microsoft.com/office/drawing/2014/main" id="{4EBB4281-D10D-4338-9FB8-FA2F7759968C}"/>
-              </a:ext>
-            </a:extLst>
-          </p:cNvPr>
-          <p:cNvSpPr>
-            <a:spLocks noGrp="1"/>
-          </p:cNvSpPr>
-          <p:nvPr>
-            <p:ph sz="quarter" idx="13" hasCustomPrompt="1"/>
+          <p:cNvPr id="13" name="内容占位符 12"/>
+          <p:cNvSpPr>
+            <a:spLocks noGrp="1"/>
+          </p:cNvSpPr>
+          <p:nvPr>
+            <p:ph sz="quarter" idx="13"/>
           </p:nvPr>
         </p:nvSpPr>
         <p:spPr>
@@ -1088,7 +992,7 @@
             <a:normAutofit/>
           </a:bodyPr>
           <a:lstStyle>
-            <a:lvl1pPr marL="342900" marR="0" indent="-342900" algn="l" defTabSz="914354" rtl="0" eaLnBrk="1" fontAlgn="auto" latinLnBrk="0" hangingPunct="1">
+            <a:lvl1pPr marL="342900" marR="0" indent="-342900" algn="l" defTabSz="913765" rtl="0" eaLnBrk="1" fontAlgn="auto" latinLnBrk="0" hangingPunct="1">
               <a:lnSpc>
                 <a:spcPct val="100000"/>
               </a:lnSpc>
@@ -1102,7 +1006,6 @@
               <a:buSzTx/>
               <a:buFont typeface="+mj-lt"/>
               <a:buAutoNum type="arabicPeriod"/>
-              <a:tabLst/>
               <a:defRPr lang="zh-CN" altLang="en-US" sz="2400" dirty="0">
                 <a:solidFill>
                   <a:schemeClr val="bg1">
@@ -1113,7 +1016,7 @@
             </a:lvl1pPr>
           </a:lstStyle>
           <a:p>
-            <a:pPr marL="342900" marR="0" lvl="0" indent="-342900" algn="l" defTabSz="914354" rtl="0" eaLnBrk="1" fontAlgn="auto" latinLnBrk="0" hangingPunct="1">
+            <a:pPr marL="342900" marR="0" lvl="0" indent="-342900" algn="l" defTabSz="913765" rtl="0" eaLnBrk="1" fontAlgn="auto" latinLnBrk="0" hangingPunct="1">
               <a:lnSpc>
                 <a:spcPct val="100000"/>
               </a:lnSpc>
@@ -1127,13 +1030,13 @@
               <a:buSzTx/>
               <a:buFont typeface="+mj-lt"/>
               <a:buAutoNum type="arabicPeriod"/>
-              <a:tabLst/>
               <a:defRPr/>
             </a:pPr>
             <a:r>
               <a:rPr lang="en-US" altLang="zh-CN" dirty="0"/>
               <a:t>Edit Master text styles</a:t>
             </a:r>
+            <a:endParaRPr lang="en-US" altLang="zh-CN" dirty="0"/>
           </a:p>
           <a:p>
             <a:pPr marL="342900" lvl="0" indent="-342900">
@@ -1145,11 +1048,6 @@
         </p:txBody>
       </p:sp>
     </p:spTree>
-    <p:extLst>
-      <p:ext uri="{BB962C8B-B14F-4D97-AF65-F5344CB8AC3E}">
-        <p14:creationId xmlns:p14="http://schemas.microsoft.com/office/powerpoint/2010/main" val="3530816241"/>
-      </p:ext>
-    </p:extLst>
   </p:cSld>
   <p:clrMapOvr>
     <a:masterClrMapping/>
@@ -1158,7 +1056,7 @@
 </file>
 
 <file path=ppt/slideLayouts/slideLayout3.xml><?xml version="1.0" encoding="utf-8"?>
-<p:sldLayout xmlns:a="http://schemas.openxmlformats.org/drawingml/2006/main" xmlns:r="http://schemas.openxmlformats.org/officeDocument/2006/relationships" xmlns:p="http://schemas.openxmlformats.org/presentationml/2006/main" showMasterSp="0" preserve="1" userDrawn="1">
+<p:sldLayout xmlns:a="http://schemas.openxmlformats.org/drawingml/2006/main" xmlns:r="http://schemas.openxmlformats.org/officeDocument/2006/relationships" xmlns:p="http://schemas.openxmlformats.org/presentationml/2006/main" preserve="1" showMasterSp="0" userDrawn="1">
   <p:cSld name="节标题">
     <p:spTree>
       <p:nvGrpSpPr>
@@ -1191,7 +1089,9 @@
             </a:extLst>
           </a:blip>
           <a:srcRect/>
-          <a:stretch/>
+          <a:stretch>
+            <a:fillRect/>
+          </a:stretch>
         </p:blipFill>
         <p:spPr>
           <a:xfrm>
@@ -1284,16 +1184,8 @@
       </p:sp>
       <p:sp>
         <p:nvSpPr>
-          <p:cNvPr id="11" name="内容占位符 3">
-            <a:extLst>
-              <a:ext uri="{FF2B5EF4-FFF2-40B4-BE49-F238E27FC236}">
-                <a16:creationId xmlns:a16="http://schemas.microsoft.com/office/drawing/2014/main" id="{09824B4B-9CD6-4E5A-A2EA-4A20DEF9950C}"/>
-              </a:ext>
-            </a:extLst>
-          </p:cNvPr>
-          <p:cNvSpPr txBox="1">
-            <a:spLocks/>
-          </p:cNvSpPr>
+          <p:cNvPr id="11" name="内容占位符 3"/>
+          <p:cNvSpPr txBox="1"/>
           <p:nvPr userDrawn="1"/>
         </p:nvSpPr>
         <p:spPr>
@@ -1310,14 +1202,14 @@
             <a:noAutofit/>
           </a:bodyPr>
           <a:lstStyle>
-            <a:lvl1pPr marL="0" indent="0" algn="r" defTabSz="914354" rtl="0" eaLnBrk="1" latinLnBrk="0" hangingPunct="1">
+            <a:lvl1pPr marL="0" indent="0" algn="r" defTabSz="913765" rtl="0" eaLnBrk="1" latinLnBrk="0" hangingPunct="1">
               <a:lnSpc>
                 <a:spcPct val="100000"/>
               </a:lnSpc>
               <a:spcBef>
                 <a:spcPts val="1000"/>
               </a:spcBef>
-              <a:buFont typeface="Arial" panose="020B0604020202020204" pitchFamily="34" charset="0"/>
+              <a:buFont typeface="Arial" panose="020B0604020202090204" pitchFamily="34" charset="0"/>
               <a:buNone/>
               <a:defRPr sz="8200" kern="1200">
                 <a:solidFill>
@@ -1328,14 +1220,14 @@
                 <a:cs typeface="+mn-cs"/>
               </a:defRPr>
             </a:lvl1pPr>
-            <a:lvl2pPr marL="685766" indent="-228589" algn="l" defTabSz="914354" rtl="0" eaLnBrk="1" latinLnBrk="0" hangingPunct="1">
+            <a:lvl2pPr marL="685800" indent="-228600" algn="l" defTabSz="913765" rtl="0" eaLnBrk="1" latinLnBrk="0" hangingPunct="1">
               <a:lnSpc>
                 <a:spcPct val="100000"/>
               </a:lnSpc>
               <a:spcBef>
                 <a:spcPts val="500"/>
               </a:spcBef>
-              <a:buFont typeface="Arial" panose="020B0604020202020204" pitchFamily="34" charset="0"/>
+              <a:buFont typeface="Arial" panose="020B0604020202090204" pitchFamily="34" charset="0"/>
               <a:buChar char="•"/>
               <a:defRPr sz="1600" kern="1200">
                 <a:solidFill>
@@ -1346,14 +1238,14 @@
                 <a:cs typeface="+mn-cs"/>
               </a:defRPr>
             </a:lvl2pPr>
-            <a:lvl3pPr marL="1142942" indent="-228589" algn="l" defTabSz="914354" rtl="0" eaLnBrk="1" latinLnBrk="0" hangingPunct="1">
+            <a:lvl3pPr marL="1143000" indent="-228600" algn="l" defTabSz="913765" rtl="0" eaLnBrk="1" latinLnBrk="0" hangingPunct="1">
               <a:lnSpc>
                 <a:spcPct val="100000"/>
               </a:lnSpc>
               <a:spcBef>
                 <a:spcPts val="500"/>
               </a:spcBef>
-              <a:buFont typeface="Arial" panose="020B0604020202020204" pitchFamily="34" charset="0"/>
+              <a:buFont typeface="Arial" panose="020B0604020202090204" pitchFamily="34" charset="0"/>
               <a:buChar char="•"/>
               <a:defRPr sz="1400" kern="1200">
                 <a:solidFill>
@@ -1364,14 +1256,14 @@
                 <a:cs typeface="+mn-cs"/>
               </a:defRPr>
             </a:lvl3pPr>
-            <a:lvl4pPr marL="1600120" indent="-228589" algn="l" defTabSz="914354" rtl="0" eaLnBrk="1" latinLnBrk="0" hangingPunct="1">
+            <a:lvl4pPr marL="1600200" indent="-228600" algn="l" defTabSz="913765" rtl="0" eaLnBrk="1" latinLnBrk="0" hangingPunct="1">
               <a:lnSpc>
                 <a:spcPct val="100000"/>
               </a:lnSpc>
               <a:spcBef>
                 <a:spcPts val="500"/>
               </a:spcBef>
-              <a:buFont typeface="Arial" panose="020B0604020202020204" pitchFamily="34" charset="0"/>
+              <a:buFont typeface="Arial" panose="020B0604020202090204" pitchFamily="34" charset="0"/>
               <a:buChar char="•"/>
               <a:defRPr sz="1200" kern="1200">
                 <a:solidFill>
@@ -1382,14 +1274,14 @@
                 <a:cs typeface="+mn-cs"/>
               </a:defRPr>
             </a:lvl4pPr>
-            <a:lvl5pPr marL="2057298" indent="-228589" algn="l" defTabSz="914354" rtl="0" eaLnBrk="1" latinLnBrk="0" hangingPunct="1">
+            <a:lvl5pPr marL="2057400" indent="-228600" algn="l" defTabSz="913765" rtl="0" eaLnBrk="1" latinLnBrk="0" hangingPunct="1">
               <a:lnSpc>
                 <a:spcPct val="100000"/>
               </a:lnSpc>
               <a:spcBef>
                 <a:spcPts val="500"/>
               </a:spcBef>
-              <a:buFont typeface="Arial" panose="020B0604020202020204" pitchFamily="34" charset="0"/>
+              <a:buFont typeface="Arial" panose="020B0604020202090204" pitchFamily="34" charset="0"/>
               <a:buChar char="•"/>
               <a:defRPr sz="1200" kern="1200">
                 <a:solidFill>
@@ -1400,14 +1292,14 @@
                 <a:cs typeface="+mn-cs"/>
               </a:defRPr>
             </a:lvl5pPr>
-            <a:lvl6pPr marL="2514474" indent="-228589" algn="l" defTabSz="914354" rtl="0" eaLnBrk="1" latinLnBrk="0" hangingPunct="1">
+            <a:lvl6pPr marL="2514600" indent="-228600" algn="l" defTabSz="913765" rtl="0" eaLnBrk="1" latinLnBrk="0" hangingPunct="1">
               <a:lnSpc>
                 <a:spcPct val="90000"/>
               </a:lnSpc>
               <a:spcBef>
                 <a:spcPts val="500"/>
               </a:spcBef>
-              <a:buFont typeface="Arial" panose="020B0604020202020204" pitchFamily="34" charset="0"/>
+              <a:buFont typeface="Arial" panose="020B0604020202090204" pitchFamily="34" charset="0"/>
               <a:buChar char="•"/>
               <a:defRPr sz="1800" kern="1200">
                 <a:solidFill>
@@ -1418,14 +1310,14 @@
                 <a:cs typeface="+mn-cs"/>
               </a:defRPr>
             </a:lvl6pPr>
-            <a:lvl7pPr marL="2971652" indent="-228589" algn="l" defTabSz="914354" rtl="0" eaLnBrk="1" latinLnBrk="0" hangingPunct="1">
+            <a:lvl7pPr marL="2971800" indent="-228600" algn="l" defTabSz="913765" rtl="0" eaLnBrk="1" latinLnBrk="0" hangingPunct="1">
               <a:lnSpc>
                 <a:spcPct val="90000"/>
               </a:lnSpc>
               <a:spcBef>
                 <a:spcPts val="500"/>
               </a:spcBef>
-              <a:buFont typeface="Arial" panose="020B0604020202020204" pitchFamily="34" charset="0"/>
+              <a:buFont typeface="Arial" panose="020B0604020202090204" pitchFamily="34" charset="0"/>
               <a:buChar char="•"/>
               <a:defRPr sz="1800" kern="1200">
                 <a:solidFill>
@@ -1436,14 +1328,14 @@
                 <a:cs typeface="+mn-cs"/>
               </a:defRPr>
             </a:lvl7pPr>
-            <a:lvl8pPr marL="3428829" indent="-228589" algn="l" defTabSz="914354" rtl="0" eaLnBrk="1" latinLnBrk="0" hangingPunct="1">
+            <a:lvl8pPr marL="3429000" indent="-228600" algn="l" defTabSz="913765" rtl="0" eaLnBrk="1" latinLnBrk="0" hangingPunct="1">
               <a:lnSpc>
                 <a:spcPct val="90000"/>
               </a:lnSpc>
               <a:spcBef>
                 <a:spcPts val="500"/>
               </a:spcBef>
-              <a:buFont typeface="Arial" panose="020B0604020202020204" pitchFamily="34" charset="0"/>
+              <a:buFont typeface="Arial" panose="020B0604020202090204" pitchFamily="34" charset="0"/>
               <a:buChar char="•"/>
               <a:defRPr sz="1800" kern="1200">
                 <a:solidFill>
@@ -1454,14 +1346,14 @@
                 <a:cs typeface="+mn-cs"/>
               </a:defRPr>
             </a:lvl8pPr>
-            <a:lvl9pPr marL="3886006" indent="-228589" algn="l" defTabSz="914354" rtl="0" eaLnBrk="1" latinLnBrk="0" hangingPunct="1">
+            <a:lvl9pPr marL="3886200" indent="-228600" algn="l" defTabSz="913765" rtl="0" eaLnBrk="1" latinLnBrk="0" hangingPunct="1">
               <a:lnSpc>
                 <a:spcPct val="90000"/>
               </a:lnSpc>
               <a:spcBef>
                 <a:spcPts val="500"/>
               </a:spcBef>
-              <a:buFont typeface="Arial" panose="020B0604020202020204" pitchFamily="34" charset="0"/>
+              <a:buFont typeface="Arial" panose="020B0604020202090204" pitchFamily="34" charset="0"/>
               <a:buChar char="•"/>
               <a:defRPr sz="1800" kern="1200">
                 <a:solidFill>
@@ -1516,11 +1408,12 @@
             </a:lvl1pPr>
           </a:lstStyle>
           <a:p>
-            <a:pPr marL="228589" lvl="0" indent="-228589" algn="r"/>
+            <a:pPr marL="228600" lvl="0" indent="-228600" algn="r"/>
             <a:r>
               <a:rPr lang="zh-CN" altLang="en-US" dirty="0"/>
               <a:t>序</a:t>
             </a:r>
+            <a:endParaRPr lang="zh-CN" altLang="en-US" dirty="0"/>
           </a:p>
         </p:txBody>
       </p:sp>
@@ -1574,11 +1467,12 @@
             </a:lvl5pPr>
           </a:lstStyle>
           <a:p>
-            <a:pPr marL="228589" lvl="0" indent="-228589" algn="r"/>
+            <a:pPr marL="228600" lvl="0" indent="-228600" algn="r"/>
             <a:r>
               <a:rPr lang="zh-CN" altLang="en-US"/>
               <a:t>序</a:t>
             </a:r>
+            <a:endParaRPr lang="zh-CN" altLang="en-US"/>
           </a:p>
         </p:txBody>
       </p:sp>
@@ -1589,7 +1483,7 @@
             <a:spLocks noGrp="1"/>
           </p:cNvSpPr>
           <p:nvPr>
-            <p:ph sz="quarter" idx="15" hasCustomPrompt="1"/>
+            <p:ph sz="quarter" idx="15"/>
           </p:nvPr>
         </p:nvSpPr>
         <p:spPr>
@@ -1609,19 +1503,19 @@
                 </a:solidFill>
               </a:defRPr>
             </a:lvl1pPr>
-            <a:lvl2pPr marL="457177" indent="0">
+            <a:lvl2pPr marL="457200" indent="0">
               <a:buNone/>
               <a:defRPr/>
             </a:lvl2pPr>
-            <a:lvl3pPr marL="914353" indent="0">
+            <a:lvl3pPr marL="914400" indent="0">
               <a:buNone/>
               <a:defRPr/>
             </a:lvl3pPr>
-            <a:lvl4pPr marL="1371531" indent="0">
+            <a:lvl4pPr marL="1371600" indent="0">
               <a:buNone/>
               <a:defRPr/>
             </a:lvl4pPr>
-            <a:lvl5pPr marL="1828709" indent="0">
+            <a:lvl5pPr marL="1828800" indent="0">
               <a:buNone/>
               <a:defRPr/>
             </a:lvl5pPr>
@@ -1637,11 +1531,6 @@
         </p:txBody>
       </p:sp>
     </p:spTree>
-    <p:extLst>
-      <p:ext uri="{BB962C8B-B14F-4D97-AF65-F5344CB8AC3E}">
-        <p14:creationId xmlns:p14="http://schemas.microsoft.com/office/powerpoint/2010/main" val="2853334272"/>
-      </p:ext>
-    </p:extLst>
   </p:cSld>
   <p:clrMapOvr>
     <a:overrideClrMapping bg1="lt1" tx1="dk1" bg2="lt2" tx2="dk2" accent1="accent1" accent2="accent2" accent3="accent3" accent4="accent4" accent5="accent5" accent6="accent6" hlink="hlink" folHlink="folHlink"/>
@@ -1676,18 +1565,12 @@
       </p:grpSpPr>
       <p:sp>
         <p:nvSpPr>
-          <p:cNvPr id="8" name="内容占位符 7">
-            <a:extLst>
-              <a:ext uri="{FF2B5EF4-FFF2-40B4-BE49-F238E27FC236}">
-                <a16:creationId xmlns:a16="http://schemas.microsoft.com/office/drawing/2014/main" id="{2070191C-4093-409C-8FD5-7369A79637AD}"/>
-              </a:ext>
-            </a:extLst>
-          </p:cNvPr>
-          <p:cNvSpPr>
-            <a:spLocks noGrp="1"/>
-          </p:cNvSpPr>
-          <p:nvPr>
-            <p:ph sz="quarter" idx="13" hasCustomPrompt="1"/>
+          <p:cNvPr id="8" name="内容占位符 7"/>
+          <p:cNvSpPr>
+            <a:spLocks noGrp="1"/>
+          </p:cNvSpPr>
+          <p:nvPr>
+            <p:ph sz="quarter" idx="13"/>
           </p:nvPr>
         </p:nvSpPr>
         <p:spPr>
@@ -1751,6 +1634,7 @@
               <a:rPr lang="en-US" altLang="zh-CN" dirty="0"/>
               <a:t>Edit Master text styles</a:t>
             </a:r>
+            <a:endParaRPr lang="en-US" altLang="zh-CN" dirty="0"/>
           </a:p>
           <a:p>
             <a:pPr lvl="1"/>
@@ -1758,6 +1642,7 @@
               <a:rPr lang="en-US" altLang="zh-CN" dirty="0"/>
               <a:t>Second level</a:t>
             </a:r>
+            <a:endParaRPr lang="en-US" altLang="zh-CN" dirty="0"/>
           </a:p>
           <a:p>
             <a:pPr lvl="2"/>
@@ -1765,6 +1650,7 @@
               <a:rPr lang="en-US" altLang="zh-CN" dirty="0"/>
               <a:t>Third level</a:t>
             </a:r>
+            <a:endParaRPr lang="en-US" altLang="zh-CN" dirty="0"/>
           </a:p>
           <a:p>
             <a:pPr lvl="3"/>
@@ -1772,6 +1658,7 @@
               <a:rPr lang="en-US" altLang="zh-CN" dirty="0"/>
               <a:t>Fourth level</a:t>
             </a:r>
+            <a:endParaRPr lang="en-US" altLang="zh-CN" dirty="0"/>
           </a:p>
           <a:p>
             <a:pPr lvl="4"/>
@@ -1785,13 +1672,7 @@
       </p:sp>
       <p:pic>
         <p:nvPicPr>
-          <p:cNvPr id="6" name="图片 5">
-            <a:extLst>
-              <a:ext uri="{FF2B5EF4-FFF2-40B4-BE49-F238E27FC236}">
-                <a16:creationId xmlns:a16="http://schemas.microsoft.com/office/drawing/2014/main" id="{7598CE43-97B3-4617-A231-DBE0EE818769}"/>
-              </a:ext>
-            </a:extLst>
-          </p:cNvPr>
+          <p:cNvPr id="6" name="图片 5"/>
           <p:cNvPicPr>
             <a:picLocks noChangeAspect="1"/>
           </p:cNvPicPr>
@@ -1821,18 +1702,12 @@
       </p:pic>
       <p:sp>
         <p:nvSpPr>
-          <p:cNvPr id="7" name="标题 6">
-            <a:extLst>
-              <a:ext uri="{FF2B5EF4-FFF2-40B4-BE49-F238E27FC236}">
-                <a16:creationId xmlns:a16="http://schemas.microsoft.com/office/drawing/2014/main" id="{CBAA9037-6DD4-4AAC-8832-01ADEE6D82B3}"/>
-              </a:ext>
-            </a:extLst>
-          </p:cNvPr>
-          <p:cNvSpPr>
-            <a:spLocks noGrp="1"/>
-          </p:cNvSpPr>
-          <p:nvPr>
-            <p:ph type="title" hasCustomPrompt="1"/>
+          <p:cNvPr id="7" name="标题 6"/>
+          <p:cNvSpPr>
+            <a:spLocks noGrp="1"/>
+          </p:cNvSpPr>
+          <p:nvPr>
+            <p:ph type="title"/>
           </p:nvPr>
         </p:nvSpPr>
         <p:spPr/>
@@ -1858,13 +1733,7 @@
       </p:sp>
       <p:sp>
         <p:nvSpPr>
-          <p:cNvPr id="9" name="日期占位符 8">
-            <a:extLst>
-              <a:ext uri="{FF2B5EF4-FFF2-40B4-BE49-F238E27FC236}">
-                <a16:creationId xmlns:a16="http://schemas.microsoft.com/office/drawing/2014/main" id="{9B82178A-ECE0-464F-814A-0DE983DD3903}"/>
-              </a:ext>
-            </a:extLst>
-          </p:cNvPr>
+          <p:cNvPr id="9" name="日期占位符 8"/>
           <p:cNvSpPr>
             <a:spLocks noGrp="1"/>
           </p:cNvSpPr>
@@ -1893,13 +1762,7 @@
       </p:sp>
       <p:sp>
         <p:nvSpPr>
-          <p:cNvPr id="10" name="页脚占位符 9">
-            <a:extLst>
-              <a:ext uri="{FF2B5EF4-FFF2-40B4-BE49-F238E27FC236}">
-                <a16:creationId xmlns:a16="http://schemas.microsoft.com/office/drawing/2014/main" id="{6596B4E0-1584-4EEC-8667-37EC7BBBEB0E}"/>
-              </a:ext>
-            </a:extLst>
-          </p:cNvPr>
+          <p:cNvPr id="10" name="页脚占位符 9"/>
           <p:cNvSpPr>
             <a:spLocks noGrp="1"/>
           </p:cNvSpPr>
@@ -1928,13 +1791,7 @@
       </p:sp>
       <p:sp>
         <p:nvSpPr>
-          <p:cNvPr id="11" name="灯片编号占位符 10">
-            <a:extLst>
-              <a:ext uri="{FF2B5EF4-FFF2-40B4-BE49-F238E27FC236}">
-                <a16:creationId xmlns:a16="http://schemas.microsoft.com/office/drawing/2014/main" id="{F911EFD1-6F81-4B53-8A51-015D720FBAD7}"/>
-              </a:ext>
-            </a:extLst>
-          </p:cNvPr>
+          <p:cNvPr id="11" name="灯片编号占位符 10"/>
           <p:cNvSpPr>
             <a:spLocks noGrp="1"/>
           </p:cNvSpPr>
@@ -1959,19 +1816,12 @@
           <a:p>
             <a:fld id="{5DD3DB80-B894-403A-B48E-6FDC1A72010E}" type="slidenum">
               <a:rPr lang="zh-CN" altLang="en-US" smtClean="0"/>
-              <a:pPr/>
-              <a:t>‹#›</a:t>
             </a:fld>
             <a:endParaRPr lang="zh-CN" altLang="en-US"/>
           </a:p>
         </p:txBody>
       </p:sp>
     </p:spTree>
-    <p:extLst>
-      <p:ext uri="{BB962C8B-B14F-4D97-AF65-F5344CB8AC3E}">
-        <p14:creationId xmlns:p14="http://schemas.microsoft.com/office/powerpoint/2010/main" val="1825565653"/>
-      </p:ext>
-    </p:extLst>
   </p:cSld>
   <p:clrMapOvr>
     <a:masterClrMapping/>
@@ -1998,18 +1848,12 @@
       </p:grpSpPr>
       <p:sp>
         <p:nvSpPr>
-          <p:cNvPr id="8" name="内容占位符 7">
-            <a:extLst>
-              <a:ext uri="{FF2B5EF4-FFF2-40B4-BE49-F238E27FC236}">
-                <a16:creationId xmlns:a16="http://schemas.microsoft.com/office/drawing/2014/main" id="{2070191C-4093-409C-8FD5-7369A79637AD}"/>
-              </a:ext>
-            </a:extLst>
-          </p:cNvPr>
-          <p:cNvSpPr>
-            <a:spLocks noGrp="1"/>
-          </p:cNvSpPr>
-          <p:nvPr>
-            <p:ph sz="quarter" idx="13" hasCustomPrompt="1"/>
+          <p:cNvPr id="8" name="内容占位符 7"/>
+          <p:cNvSpPr>
+            <a:spLocks noGrp="1"/>
+          </p:cNvSpPr>
+          <p:nvPr>
+            <p:ph sz="quarter" idx="13"/>
           </p:nvPr>
         </p:nvSpPr>
         <p:spPr>
@@ -2043,6 +1887,7 @@
               <a:rPr lang="en-US" altLang="zh-CN" dirty="0"/>
               <a:t>Edit Master text styles</a:t>
             </a:r>
+            <a:endParaRPr lang="en-US" altLang="zh-CN" dirty="0"/>
           </a:p>
           <a:p>
             <a:pPr lvl="1"/>
@@ -2050,6 +1895,7 @@
               <a:rPr lang="en-US" altLang="zh-CN" dirty="0"/>
               <a:t>Second level</a:t>
             </a:r>
+            <a:endParaRPr lang="en-US" altLang="zh-CN" dirty="0"/>
           </a:p>
           <a:p>
             <a:pPr lvl="2"/>
@@ -2057,6 +1903,7 @@
               <a:rPr lang="en-US" altLang="zh-CN" dirty="0"/>
               <a:t>Third level</a:t>
             </a:r>
+            <a:endParaRPr lang="en-US" altLang="zh-CN" dirty="0"/>
           </a:p>
           <a:p>
             <a:pPr lvl="3"/>
@@ -2064,6 +1911,7 @@
               <a:rPr lang="en-US" altLang="zh-CN" dirty="0"/>
               <a:t>Fourth level</a:t>
             </a:r>
+            <a:endParaRPr lang="en-US" altLang="zh-CN" dirty="0"/>
           </a:p>
           <a:p>
             <a:pPr lvl="4"/>
@@ -2077,18 +1925,12 @@
       </p:sp>
       <p:sp>
         <p:nvSpPr>
-          <p:cNvPr id="2" name="标题 1">
-            <a:extLst>
-              <a:ext uri="{FF2B5EF4-FFF2-40B4-BE49-F238E27FC236}">
-                <a16:creationId xmlns:a16="http://schemas.microsoft.com/office/drawing/2014/main" id="{AA12FB6C-38E8-4FB6-A513-9D6567832FB3}"/>
-              </a:ext>
-            </a:extLst>
-          </p:cNvPr>
-          <p:cNvSpPr>
-            <a:spLocks noGrp="1"/>
-          </p:cNvSpPr>
-          <p:nvPr>
-            <p:ph type="title" hasCustomPrompt="1"/>
+          <p:cNvPr id="2" name="标题 1"/>
+          <p:cNvSpPr>
+            <a:spLocks noGrp="1"/>
+          </p:cNvSpPr>
+          <p:nvPr>
+            <p:ph type="title"/>
           </p:nvPr>
         </p:nvSpPr>
         <p:spPr/>
@@ -2106,13 +1948,7 @@
       </p:sp>
       <p:sp>
         <p:nvSpPr>
-          <p:cNvPr id="9" name="日期占位符 8">
-            <a:extLst>
-              <a:ext uri="{FF2B5EF4-FFF2-40B4-BE49-F238E27FC236}">
-                <a16:creationId xmlns:a16="http://schemas.microsoft.com/office/drawing/2014/main" id="{72AD3593-A420-4BB6-9E2B-57A37D1BB06E}"/>
-              </a:ext>
-            </a:extLst>
-          </p:cNvPr>
+          <p:cNvPr id="9" name="日期占位符 8"/>
           <p:cNvSpPr>
             <a:spLocks noGrp="1"/>
           </p:cNvSpPr>
@@ -2131,13 +1967,7 @@
       </p:sp>
       <p:sp>
         <p:nvSpPr>
-          <p:cNvPr id="10" name="页脚占位符 9">
-            <a:extLst>
-              <a:ext uri="{FF2B5EF4-FFF2-40B4-BE49-F238E27FC236}">
-                <a16:creationId xmlns:a16="http://schemas.microsoft.com/office/drawing/2014/main" id="{1213FFF4-18F8-4F30-B403-F7BB9DF6A890}"/>
-              </a:ext>
-            </a:extLst>
-          </p:cNvPr>
+          <p:cNvPr id="10" name="页脚占位符 9"/>
           <p:cNvSpPr>
             <a:spLocks noGrp="1"/>
           </p:cNvSpPr>
@@ -2156,13 +1986,7 @@
       </p:sp>
       <p:sp>
         <p:nvSpPr>
-          <p:cNvPr id="11" name="灯片编号占位符 10">
-            <a:extLst>
-              <a:ext uri="{FF2B5EF4-FFF2-40B4-BE49-F238E27FC236}">
-                <a16:creationId xmlns:a16="http://schemas.microsoft.com/office/drawing/2014/main" id="{AACD052B-B93F-40E3-8A10-6F301432ADDF}"/>
-              </a:ext>
-            </a:extLst>
-          </p:cNvPr>
+          <p:cNvPr id="11" name="灯片编号占位符 10"/>
           <p:cNvSpPr>
             <a:spLocks noGrp="1"/>
           </p:cNvSpPr>
@@ -2177,19 +2001,12 @@
           <a:p>
             <a:fld id="{5DD3DB80-B894-403A-B48E-6FDC1A72010E}" type="slidenum">
               <a:rPr lang="zh-CN" altLang="en-US" smtClean="0"/>
-              <a:pPr/>
-              <a:t>‹#›</a:t>
             </a:fld>
             <a:endParaRPr lang="zh-CN" altLang="en-US"/>
           </a:p>
         </p:txBody>
       </p:sp>
     </p:spTree>
-    <p:extLst>
-      <p:ext uri="{BB962C8B-B14F-4D97-AF65-F5344CB8AC3E}">
-        <p14:creationId xmlns:p14="http://schemas.microsoft.com/office/powerpoint/2010/main" val="3677593400"/>
-      </p:ext>
-    </p:extLst>
   </p:cSld>
   <p:clrMapOvr>
     <a:masterClrMapping/>
@@ -2198,7 +2015,7 @@
 </file>
 
 <file path=ppt/slideLayouts/slideLayout6.xml><?xml version="1.0" encoding="utf-8"?>
-<p:sldLayout xmlns:a="http://schemas.openxmlformats.org/drawingml/2006/main" xmlns:r="http://schemas.openxmlformats.org/officeDocument/2006/relationships" xmlns:p="http://schemas.openxmlformats.org/presentationml/2006/main" showMasterSp="0" preserve="1" userDrawn="1">
+<p:sldLayout xmlns:a="http://schemas.openxmlformats.org/drawingml/2006/main" xmlns:r="http://schemas.openxmlformats.org/officeDocument/2006/relationships" xmlns:p="http://schemas.openxmlformats.org/presentationml/2006/main" preserve="1" showMasterSp="0" userDrawn="1">
   <p:cSld name="仅标题页">
     <p:spTree>
       <p:nvGrpSpPr>
@@ -2231,7 +2048,9 @@
             </a:extLst>
           </a:blip>
           <a:srcRect/>
-          <a:stretch/>
+          <a:stretch>
+            <a:fillRect/>
+          </a:stretch>
         </p:blipFill>
         <p:spPr>
           <a:xfrm>
@@ -2244,11 +2063,6 @@
         </p:spPr>
       </p:pic>
     </p:spTree>
-    <p:extLst>
-      <p:ext uri="{BB962C8B-B14F-4D97-AF65-F5344CB8AC3E}">
-        <p14:creationId xmlns:p14="http://schemas.microsoft.com/office/powerpoint/2010/main" val="1284176218"/>
-      </p:ext>
-    </p:extLst>
   </p:cSld>
   <p:clrMapOvr>
     <a:masterClrMapping/>
@@ -2344,6 +2158,7 @@
               <a:rPr lang="en-US" dirty="0"/>
               <a:t>Edit Master text styles</a:t>
             </a:r>
+            <a:endParaRPr lang="en-US" dirty="0"/>
           </a:p>
           <a:p>
             <a:pPr lvl="1"/>
@@ -2351,6 +2166,7 @@
               <a:rPr lang="en-US" dirty="0"/>
               <a:t>Second level</a:t>
             </a:r>
+            <a:endParaRPr lang="en-US" dirty="0"/>
           </a:p>
           <a:p>
             <a:pPr lvl="2"/>
@@ -2358,6 +2174,7 @@
               <a:rPr lang="en-US" dirty="0"/>
               <a:t>Third level</a:t>
             </a:r>
+            <a:endParaRPr lang="en-US" dirty="0"/>
           </a:p>
           <a:p>
             <a:pPr lvl="3"/>
@@ -2365,6 +2182,7 @@
               <a:rPr lang="en-US" dirty="0"/>
               <a:t>Fourth level</a:t>
             </a:r>
+            <a:endParaRPr lang="en-US" dirty="0"/>
           </a:p>
           <a:p>
             <a:pPr lvl="4"/>
@@ -2378,13 +2196,7 @@
       </p:sp>
       <p:sp>
         <p:nvSpPr>
-          <p:cNvPr id="8" name="日期占位符 3">
-            <a:extLst>
-              <a:ext uri="{FF2B5EF4-FFF2-40B4-BE49-F238E27FC236}">
-                <a16:creationId xmlns:a16="http://schemas.microsoft.com/office/drawing/2014/main" id="{04388434-9949-479C-A9C3-67A953F6A939}"/>
-              </a:ext>
-            </a:extLst>
-          </p:cNvPr>
+          <p:cNvPr id="8" name="日期占位符 3"/>
           <p:cNvSpPr>
             <a:spLocks noGrp="1"/>
           </p:cNvSpPr>
@@ -2422,13 +2234,7 @@
       </p:sp>
       <p:sp>
         <p:nvSpPr>
-          <p:cNvPr id="9" name="页脚占位符 4">
-            <a:extLst>
-              <a:ext uri="{FF2B5EF4-FFF2-40B4-BE49-F238E27FC236}">
-                <a16:creationId xmlns:a16="http://schemas.microsoft.com/office/drawing/2014/main" id="{50A5656E-7A33-4865-A262-1F96263BAA16}"/>
-              </a:ext>
-            </a:extLst>
-          </p:cNvPr>
+          <p:cNvPr id="9" name="页脚占位符 4"/>
           <p:cNvSpPr>
             <a:spLocks noGrp="1"/>
           </p:cNvSpPr>
@@ -2466,13 +2272,7 @@
       </p:sp>
       <p:sp>
         <p:nvSpPr>
-          <p:cNvPr id="10" name="灯片编号占位符 5">
-            <a:extLst>
-              <a:ext uri="{FF2B5EF4-FFF2-40B4-BE49-F238E27FC236}">
-                <a16:creationId xmlns:a16="http://schemas.microsoft.com/office/drawing/2014/main" id="{5BF52F79-380E-4278-8B67-588AFE5840F9}"/>
-              </a:ext>
-            </a:extLst>
-          </p:cNvPr>
+          <p:cNvPr id="10" name="灯片编号占位符 5"/>
           <p:cNvSpPr>
             <a:spLocks noGrp="1"/>
           </p:cNvSpPr>
@@ -2506,8 +2306,6 @@
           <a:p>
             <a:fld id="{5DD3DB80-B894-403A-B48E-6FDC1A72010E}" type="slidenum">
               <a:rPr lang="zh-CN" altLang="en-US" smtClean="0"/>
-              <a:pPr/>
-              <a:t>‹#›</a:t>
             </a:fld>
             <a:endParaRPr lang="zh-CN" altLang="en-US"/>
           </a:p>
@@ -2515,13 +2313,7 @@
       </p:sp>
       <p:sp>
         <p:nvSpPr>
-          <p:cNvPr id="4" name="矩形 3">
-            <a:extLst>
-              <a:ext uri="{FF2B5EF4-FFF2-40B4-BE49-F238E27FC236}">
-                <a16:creationId xmlns:a16="http://schemas.microsoft.com/office/drawing/2014/main" id="{77A7757A-1068-4E79-917B-BF9F2125AF25}"/>
-              </a:ext>
-            </a:extLst>
-          </p:cNvPr>
+          <p:cNvPr id="4" name="矩形 3"/>
           <p:cNvSpPr/>
           <p:nvPr userDrawn="1"/>
         </p:nvSpPr>
@@ -2567,20 +2359,14 @@
       </p:sp>
       <p:pic>
         <p:nvPicPr>
-          <p:cNvPr id="6" name="图片 5">
-            <a:extLst>
-              <a:ext uri="{FF2B5EF4-FFF2-40B4-BE49-F238E27FC236}">
-                <a16:creationId xmlns:a16="http://schemas.microsoft.com/office/drawing/2014/main" id="{EBDFC849-1D6E-4152-9981-99302661AD98}"/>
-              </a:ext>
-            </a:extLst>
-          </p:cNvPr>
+          <p:cNvPr id="6" name="图片 5"/>
           <p:cNvPicPr>
             <a:picLocks noChangeAspect="1"/>
           </p:cNvPicPr>
           <p:nvPr userDrawn="1"/>
         </p:nvPicPr>
         <p:blipFill>
-          <a:blip r:embed="rId8" cstate="print">
+          <a:blip r:embed="rId7" cstate="print">
             <a:extLst>
               <a:ext uri="{28A0092B-C50C-407E-A947-70E740481C1C}">
                 <a14:useLocalDpi xmlns:a14="http://schemas.microsoft.com/office/drawing/2010/main" val="0"/>
@@ -2602,25 +2388,20 @@
         </p:spPr>
       </p:pic>
     </p:spTree>
-    <p:extLst>
-      <p:ext uri="{BB962C8B-B14F-4D97-AF65-F5344CB8AC3E}">
-        <p14:creationId xmlns:p14="http://schemas.microsoft.com/office/powerpoint/2010/main" val="3784027784"/>
-      </p:ext>
-    </p:extLst>
   </p:cSld>
   <p:clrMap bg1="lt1" tx1="dk1" bg2="lt2" tx2="dk2" accent1="accent1" accent2="accent2" accent3="accent3" accent4="accent4" accent5="accent5" accent6="accent6" hlink="hlink" folHlink="folHlink"/>
   <p:sldLayoutIdLst>
-    <p:sldLayoutId id="2147483660" r:id="rId1"/>
-    <p:sldLayoutId id="2147483670" r:id="rId2"/>
+    <p:sldLayoutId id="2147483649" r:id="rId1"/>
+    <p:sldLayoutId id="2147483650" r:id="rId2"/>
     <p:sldLayoutId id="2147483651" r:id="rId3"/>
-    <p:sldLayoutId id="2147483671" r:id="rId4"/>
-    <p:sldLayoutId id="2147483669" r:id="rId5"/>
-    <p:sldLayoutId id="2147483662" r:id="rId6"/>
+    <p:sldLayoutId id="2147483652" r:id="rId4"/>
+    <p:sldLayoutId id="2147483653" r:id="rId5"/>
+    <p:sldLayoutId id="2147483654" r:id="rId6"/>
   </p:sldLayoutIdLst>
   <p:hf hdr="0" dt="0"/>
   <p:txStyles>
     <p:titleStyle>
-      <a:lvl1pPr algn="l" defTabSz="914354" rtl="0" eaLnBrk="1" latinLnBrk="0" hangingPunct="1">
+      <a:lvl1pPr algn="l" defTabSz="913765" rtl="0" eaLnBrk="1" latinLnBrk="0" hangingPunct="1">
         <a:lnSpc>
           <a:spcPct val="90000"/>
         </a:lnSpc>
@@ -2639,14 +2420,14 @@
       </a:lvl1pPr>
     </p:titleStyle>
     <p:bodyStyle>
-      <a:lvl1pPr marL="228589" indent="-228589" algn="l" defTabSz="914354" rtl="0" eaLnBrk="1" latinLnBrk="0" hangingPunct="1">
+      <a:lvl1pPr marL="228600" indent="-228600" algn="l" defTabSz="913765" rtl="0" eaLnBrk="1" latinLnBrk="0" hangingPunct="1">
         <a:lnSpc>
           <a:spcPct val="100000"/>
         </a:lnSpc>
         <a:spcBef>
           <a:spcPts val="1000"/>
         </a:spcBef>
-        <a:buFont typeface="Arial" panose="020B0604020202020204" pitchFamily="34" charset="0"/>
+        <a:buFont typeface="Arial" panose="020B0604020202090204" pitchFamily="34" charset="0"/>
         <a:buChar char="•"/>
         <a:defRPr sz="1800" kern="1200">
           <a:solidFill>
@@ -2657,14 +2438,14 @@
           <a:cs typeface="+mn-cs"/>
         </a:defRPr>
       </a:lvl1pPr>
-      <a:lvl2pPr marL="685766" indent="-228589" algn="l" defTabSz="914354" rtl="0" eaLnBrk="1" latinLnBrk="0" hangingPunct="1">
+      <a:lvl2pPr marL="685800" indent="-228600" algn="l" defTabSz="913765" rtl="0" eaLnBrk="1" latinLnBrk="0" hangingPunct="1">
         <a:lnSpc>
           <a:spcPct val="100000"/>
         </a:lnSpc>
         <a:spcBef>
           <a:spcPts val="500"/>
         </a:spcBef>
-        <a:buFont typeface="Arial" panose="020B0604020202020204" pitchFamily="34" charset="0"/>
+        <a:buFont typeface="Arial" panose="020B0604020202090204" pitchFamily="34" charset="0"/>
         <a:buChar char="•"/>
         <a:defRPr sz="1600" kern="1200">
           <a:solidFill>
@@ -2675,14 +2456,14 @@
           <a:cs typeface="+mn-cs"/>
         </a:defRPr>
       </a:lvl2pPr>
-      <a:lvl3pPr marL="1142942" indent="-228589" algn="l" defTabSz="914354" rtl="0" eaLnBrk="1" latinLnBrk="0" hangingPunct="1">
+      <a:lvl3pPr marL="1143000" indent="-228600" algn="l" defTabSz="913765" rtl="0" eaLnBrk="1" latinLnBrk="0" hangingPunct="1">
         <a:lnSpc>
           <a:spcPct val="100000"/>
         </a:lnSpc>
         <a:spcBef>
           <a:spcPts val="500"/>
         </a:spcBef>
-        <a:buFont typeface="Arial" panose="020B0604020202020204" pitchFamily="34" charset="0"/>
+        <a:buFont typeface="Arial" panose="020B0604020202090204" pitchFamily="34" charset="0"/>
         <a:buChar char="•"/>
         <a:defRPr sz="1400" kern="1200">
           <a:solidFill>
@@ -2693,14 +2474,14 @@
           <a:cs typeface="+mn-cs"/>
         </a:defRPr>
       </a:lvl3pPr>
-      <a:lvl4pPr marL="1600120" indent="-228589" algn="l" defTabSz="914354" rtl="0" eaLnBrk="1" latinLnBrk="0" hangingPunct="1">
+      <a:lvl4pPr marL="1600200" indent="-228600" algn="l" defTabSz="913765" rtl="0" eaLnBrk="1" latinLnBrk="0" hangingPunct="1">
         <a:lnSpc>
           <a:spcPct val="100000"/>
         </a:lnSpc>
         <a:spcBef>
           <a:spcPts val="500"/>
         </a:spcBef>
-        <a:buFont typeface="Arial" panose="020B0604020202020204" pitchFamily="34" charset="0"/>
+        <a:buFont typeface="Arial" panose="020B0604020202090204" pitchFamily="34" charset="0"/>
         <a:buChar char="•"/>
         <a:defRPr sz="1200" kern="1200">
           <a:solidFill>
@@ -2711,14 +2492,14 @@
           <a:cs typeface="+mn-cs"/>
         </a:defRPr>
       </a:lvl4pPr>
-      <a:lvl5pPr marL="2057298" indent="-228589" algn="l" defTabSz="914354" rtl="0" eaLnBrk="1" latinLnBrk="0" hangingPunct="1">
+      <a:lvl5pPr marL="2057400" indent="-228600" algn="l" defTabSz="913765" rtl="0" eaLnBrk="1" latinLnBrk="0" hangingPunct="1">
         <a:lnSpc>
           <a:spcPct val="100000"/>
         </a:lnSpc>
         <a:spcBef>
           <a:spcPts val="500"/>
         </a:spcBef>
-        <a:buFont typeface="Arial" panose="020B0604020202020204" pitchFamily="34" charset="0"/>
+        <a:buFont typeface="Arial" panose="020B0604020202090204" pitchFamily="34" charset="0"/>
         <a:buChar char="•"/>
         <a:defRPr sz="1200" kern="1200">
           <a:solidFill>
@@ -2729,14 +2510,14 @@
           <a:cs typeface="+mn-cs"/>
         </a:defRPr>
       </a:lvl5pPr>
-      <a:lvl6pPr marL="2514474" indent="-228589" algn="l" defTabSz="914354" rtl="0" eaLnBrk="1" latinLnBrk="0" hangingPunct="1">
+      <a:lvl6pPr marL="2514600" indent="-228600" algn="l" defTabSz="913765" rtl="0" eaLnBrk="1" latinLnBrk="0" hangingPunct="1">
         <a:lnSpc>
           <a:spcPct val="90000"/>
         </a:lnSpc>
         <a:spcBef>
           <a:spcPts val="500"/>
         </a:spcBef>
-        <a:buFont typeface="Arial" panose="020B0604020202020204" pitchFamily="34" charset="0"/>
+        <a:buFont typeface="Arial" panose="020B0604020202090204" pitchFamily="34" charset="0"/>
         <a:buChar char="•"/>
         <a:defRPr sz="1800" kern="1200">
           <a:solidFill>
@@ -2747,14 +2528,14 @@
           <a:cs typeface="+mn-cs"/>
         </a:defRPr>
       </a:lvl6pPr>
-      <a:lvl7pPr marL="2971652" indent="-228589" algn="l" defTabSz="914354" rtl="0" eaLnBrk="1" latinLnBrk="0" hangingPunct="1">
+      <a:lvl7pPr marL="2971800" indent="-228600" algn="l" defTabSz="913765" rtl="0" eaLnBrk="1" latinLnBrk="0" hangingPunct="1">
         <a:lnSpc>
           <a:spcPct val="90000"/>
         </a:lnSpc>
         <a:spcBef>
           <a:spcPts val="500"/>
         </a:spcBef>
-        <a:buFont typeface="Arial" panose="020B0604020202020204" pitchFamily="34" charset="0"/>
+        <a:buFont typeface="Arial" panose="020B0604020202090204" pitchFamily="34" charset="0"/>
         <a:buChar char="•"/>
         <a:defRPr sz="1800" kern="1200">
           <a:solidFill>
@@ -2765,14 +2546,14 @@
           <a:cs typeface="+mn-cs"/>
         </a:defRPr>
       </a:lvl7pPr>
-      <a:lvl8pPr marL="3428829" indent="-228589" algn="l" defTabSz="914354" rtl="0" eaLnBrk="1" latinLnBrk="0" hangingPunct="1">
+      <a:lvl8pPr marL="3429000" indent="-228600" algn="l" defTabSz="913765" rtl="0" eaLnBrk="1" latinLnBrk="0" hangingPunct="1">
         <a:lnSpc>
           <a:spcPct val="90000"/>
         </a:lnSpc>
         <a:spcBef>
           <a:spcPts val="500"/>
         </a:spcBef>
-        <a:buFont typeface="Arial" panose="020B0604020202020204" pitchFamily="34" charset="0"/>
+        <a:buFont typeface="Arial" panose="020B0604020202090204" pitchFamily="34" charset="0"/>
         <a:buChar char="•"/>
         <a:defRPr sz="1800" kern="1200">
           <a:solidFill>
@@ -2783,14 +2564,14 @@
           <a:cs typeface="+mn-cs"/>
         </a:defRPr>
       </a:lvl8pPr>
-      <a:lvl9pPr marL="3886006" indent="-228589" algn="l" defTabSz="914354" rtl="0" eaLnBrk="1" latinLnBrk="0" hangingPunct="1">
+      <a:lvl9pPr marL="3886200" indent="-228600" algn="l" defTabSz="913765" rtl="0" eaLnBrk="1" latinLnBrk="0" hangingPunct="1">
         <a:lnSpc>
           <a:spcPct val="90000"/>
         </a:lnSpc>
         <a:spcBef>
           <a:spcPts val="500"/>
         </a:spcBef>
-        <a:buFont typeface="Arial" panose="020B0604020202020204" pitchFamily="34" charset="0"/>
+        <a:buFont typeface="Arial" panose="020B0604020202090204" pitchFamily="34" charset="0"/>
         <a:buChar char="•"/>
         <a:defRPr sz="1800" kern="1200">
           <a:solidFill>
@@ -2806,7 +2587,7 @@
       <a:defPPr>
         <a:defRPr lang="zh-CN"/>
       </a:defPPr>
-      <a:lvl1pPr marL="0" algn="l" defTabSz="914354" rtl="0" eaLnBrk="1" latinLnBrk="0" hangingPunct="1">
+      <a:lvl1pPr marL="0" algn="l" defTabSz="913765" rtl="0" eaLnBrk="1" latinLnBrk="0" hangingPunct="1">
         <a:defRPr sz="1800" kern="1200">
           <a:solidFill>
             <a:schemeClr val="tx1"/>
@@ -2816,7 +2597,7 @@
           <a:cs typeface="+mn-cs"/>
         </a:defRPr>
       </a:lvl1pPr>
-      <a:lvl2pPr marL="457178" algn="l" defTabSz="914354" rtl="0" eaLnBrk="1" latinLnBrk="0" hangingPunct="1">
+      <a:lvl2pPr marL="457200" algn="l" defTabSz="913765" rtl="0" eaLnBrk="1" latinLnBrk="0" hangingPunct="1">
         <a:defRPr sz="1800" kern="1200">
           <a:solidFill>
             <a:schemeClr val="tx1"/>
@@ -2826,7 +2607,7 @@
           <a:cs typeface="+mn-cs"/>
         </a:defRPr>
       </a:lvl2pPr>
-      <a:lvl3pPr marL="914354" algn="l" defTabSz="914354" rtl="0" eaLnBrk="1" latinLnBrk="0" hangingPunct="1">
+      <a:lvl3pPr marL="914400" algn="l" defTabSz="913765" rtl="0" eaLnBrk="1" latinLnBrk="0" hangingPunct="1">
         <a:defRPr sz="1800" kern="1200">
           <a:solidFill>
             <a:schemeClr val="tx1"/>
@@ -2836,7 +2617,7 @@
           <a:cs typeface="+mn-cs"/>
         </a:defRPr>
       </a:lvl3pPr>
-      <a:lvl4pPr marL="1371532" algn="l" defTabSz="914354" rtl="0" eaLnBrk="1" latinLnBrk="0" hangingPunct="1">
+      <a:lvl4pPr marL="1371600" algn="l" defTabSz="913765" rtl="0" eaLnBrk="1" latinLnBrk="0" hangingPunct="1">
         <a:defRPr sz="1800" kern="1200">
           <a:solidFill>
             <a:schemeClr val="tx1"/>
@@ -2846,7 +2627,7 @@
           <a:cs typeface="+mn-cs"/>
         </a:defRPr>
       </a:lvl4pPr>
-      <a:lvl5pPr marL="1828709" algn="l" defTabSz="914354" rtl="0" eaLnBrk="1" latinLnBrk="0" hangingPunct="1">
+      <a:lvl5pPr marL="1828800" algn="l" defTabSz="913765" rtl="0" eaLnBrk="1" latinLnBrk="0" hangingPunct="1">
         <a:defRPr sz="1800" kern="1200">
           <a:solidFill>
             <a:schemeClr val="tx1"/>
@@ -2856,7 +2637,7 @@
           <a:cs typeface="+mn-cs"/>
         </a:defRPr>
       </a:lvl5pPr>
-      <a:lvl6pPr marL="2285886" algn="l" defTabSz="914354" rtl="0" eaLnBrk="1" latinLnBrk="0" hangingPunct="1">
+      <a:lvl6pPr marL="2286000" algn="l" defTabSz="913765" rtl="0" eaLnBrk="1" latinLnBrk="0" hangingPunct="1">
         <a:defRPr sz="1800" kern="1200">
           <a:solidFill>
             <a:schemeClr val="tx1"/>
@@ -2866,7 +2647,7 @@
           <a:cs typeface="+mn-cs"/>
         </a:defRPr>
       </a:lvl6pPr>
-      <a:lvl7pPr marL="2743062" algn="l" defTabSz="914354" rtl="0" eaLnBrk="1" latinLnBrk="0" hangingPunct="1">
+      <a:lvl7pPr marL="2743200" algn="l" defTabSz="913765" rtl="0" eaLnBrk="1" latinLnBrk="0" hangingPunct="1">
         <a:defRPr sz="1800" kern="1200">
           <a:solidFill>
             <a:schemeClr val="tx1"/>
@@ -2876,7 +2657,7 @@
           <a:cs typeface="+mn-cs"/>
         </a:defRPr>
       </a:lvl7pPr>
-      <a:lvl8pPr marL="3200240" algn="l" defTabSz="914354" rtl="0" eaLnBrk="1" latinLnBrk="0" hangingPunct="1">
+      <a:lvl8pPr marL="3200400" algn="l" defTabSz="913765" rtl="0" eaLnBrk="1" latinLnBrk="0" hangingPunct="1">
         <a:defRPr sz="1800" kern="1200">
           <a:solidFill>
             <a:schemeClr val="tx1"/>
@@ -2886,7 +2667,7 @@
           <a:cs typeface="+mn-cs"/>
         </a:defRPr>
       </a:lvl8pPr>
-      <a:lvl9pPr marL="3657418" algn="l" defTabSz="914354" rtl="0" eaLnBrk="1" latinLnBrk="0" hangingPunct="1">
+      <a:lvl9pPr marL="3657600" algn="l" defTabSz="913765" rtl="0" eaLnBrk="1" latinLnBrk="0" hangingPunct="1">
         <a:defRPr sz="1800" kern="1200">
           <a:solidFill>
             <a:schemeClr val="tx1"/>
@@ -2898,52 +2679,6 @@
       </a:lvl9pPr>
     </p:otherStyle>
   </p:txStyles>
-  <p:extLst>
-    <p:ext uri="{27BBF7A9-308A-43DC-89C8-2F10F3537804}">
-      <p15:sldGuideLst xmlns:p15="http://schemas.microsoft.com/office/powerpoint/2012/main">
-        <p15:guide id="1" orient="horz" pos="2288" userDrawn="1">
-          <p15:clr>
-            <a:srgbClr val="F26B43"/>
-          </p15:clr>
-        </p15:guide>
-        <p15:guide id="2" pos="3840" userDrawn="1">
-          <p15:clr>
-            <a:srgbClr val="F26B43"/>
-          </p15:clr>
-        </p15:guide>
-        <p15:guide id="3" pos="416" userDrawn="1">
-          <p15:clr>
-            <a:srgbClr val="F26B43"/>
-          </p15:clr>
-        </p15:guide>
-        <p15:guide id="4" pos="7256" userDrawn="1">
-          <p15:clr>
-            <a:srgbClr val="F26B43"/>
-          </p15:clr>
-        </p15:guide>
-        <p15:guide id="5" orient="horz" pos="648" userDrawn="1">
-          <p15:clr>
-            <a:srgbClr val="F26B43"/>
-          </p15:clr>
-        </p15:guide>
-        <p15:guide id="6" orient="horz" pos="712" userDrawn="1">
-          <p15:clr>
-            <a:srgbClr val="F26B43"/>
-          </p15:clr>
-        </p15:guide>
-        <p15:guide id="7" orient="horz" pos="3928" userDrawn="1">
-          <p15:clr>
-            <a:srgbClr val="F26B43"/>
-          </p15:clr>
-        </p15:guide>
-        <p15:guide id="8" orient="horz" pos="3864" userDrawn="1">
-          <p15:clr>
-            <a:srgbClr val="F26B43"/>
-          </p15:clr>
-        </p15:guide>
-      </p15:sldGuideLst>
-    </p:ext>
-  </p:extLst>
 </p:sldMaster>
 </file>
 
@@ -2966,13 +2701,7 @@
       </p:grpSpPr>
       <p:sp>
         <p:nvSpPr>
-          <p:cNvPr id="4" name="副标题 3">
-            <a:extLst>
-              <a:ext uri="{FF2B5EF4-FFF2-40B4-BE49-F238E27FC236}">
-                <a16:creationId xmlns:a16="http://schemas.microsoft.com/office/drawing/2014/main" id="{E7D27089-8F36-4791-8327-283F817E4C9B}"/>
-              </a:ext>
-            </a:extLst>
-          </p:cNvPr>
+          <p:cNvPr id="4" name="副标题 3"/>
           <p:cNvSpPr>
             <a:spLocks noGrp="1"/>
           </p:cNvSpPr>
@@ -2989,31 +2718,31 @@
           <a:p>
             <a:r>
               <a:rPr lang="en-US" altLang="zh-CN" sz="2200" dirty="0">
-                <a:hlinkClick r:id="rId2"/>
+                <a:hlinkClick r:id="rId1"/>
               </a:rPr>
               <a:t>qingfeng346/Scorpio-</a:t>
             </a:r>
             <a:r>
               <a:rPr lang="en-US" altLang="zh-CN" sz="2200" dirty="0" err="1">
-                <a:hlinkClick r:id="rId2"/>
+                <a:hlinkClick r:id="rId1"/>
               </a:rPr>
               <a:t>CSharp</a:t>
             </a:r>
             <a:r>
               <a:rPr lang="en-US" altLang="zh-CN" sz="2200" dirty="0">
-                <a:hlinkClick r:id="rId2"/>
+                <a:hlinkClick r:id="rId1"/>
               </a:rPr>
               <a:t>: Unity</a:t>
             </a:r>
             <a:r>
               <a:rPr lang="zh-CN" altLang="en-US" sz="2200" dirty="0">
-                <a:hlinkClick r:id="rId2"/>
+                <a:hlinkClick r:id="rId1"/>
               </a:rPr>
               <a:t>游戏热更新脚本 </a:t>
             </a:r>
             <a:r>
               <a:rPr lang="en-US" altLang="zh-CN" sz="2200" dirty="0">
-                <a:hlinkClick r:id="rId2"/>
+                <a:hlinkClick r:id="rId1"/>
               </a:rPr>
               <a:t>(github.com)</a:t>
             </a:r>
@@ -3023,13 +2752,7 @@
       </p:sp>
       <p:sp>
         <p:nvSpPr>
-          <p:cNvPr id="3" name="标题 2">
-            <a:extLst>
-              <a:ext uri="{FF2B5EF4-FFF2-40B4-BE49-F238E27FC236}">
-                <a16:creationId xmlns:a16="http://schemas.microsoft.com/office/drawing/2014/main" id="{D73E2E65-4870-424D-B7F0-92F00739C966}"/>
-              </a:ext>
-            </a:extLst>
-          </p:cNvPr>
+          <p:cNvPr id="3" name="标题 2"/>
           <p:cNvSpPr>
             <a:spLocks noGrp="1"/>
           </p:cNvSpPr>
@@ -3053,10 +2776,6 @@
             <a:r>
               <a:rPr lang="zh-CN" altLang="en-US" sz="4800" b="0" dirty="0" smtClean="0"/>
               <a:t>介绍</a:t>
-            </a:r>
-            <a:r>
-              <a:rPr lang="en-US" altLang="zh-CN" sz="4800" b="0" dirty="0" smtClean="0"/>
-              <a:t/>
             </a:r>
             <a:br>
               <a:rPr lang="en-US" altLang="zh-CN" sz="4800" b="0" dirty="0" smtClean="0"/>
@@ -3075,13 +2794,7 @@
       </p:sp>
       <p:sp>
         <p:nvSpPr>
-          <p:cNvPr id="5" name="文本占位符 4">
-            <a:extLst>
-              <a:ext uri="{FF2B5EF4-FFF2-40B4-BE49-F238E27FC236}">
-                <a16:creationId xmlns:a16="http://schemas.microsoft.com/office/drawing/2014/main" id="{35251B9C-B077-402E-BFAE-C4843B1F5A92}"/>
-              </a:ext>
-            </a:extLst>
-          </p:cNvPr>
+          <p:cNvPr id="5" name="文本占位符 4"/>
           <p:cNvSpPr>
             <a:spLocks noGrp="1"/>
           </p:cNvSpPr>
@@ -3112,13 +2825,7 @@
       </p:sp>
       <p:sp>
         <p:nvSpPr>
-          <p:cNvPr id="6" name="文本占位符 5">
-            <a:extLst>
-              <a:ext uri="{FF2B5EF4-FFF2-40B4-BE49-F238E27FC236}">
-                <a16:creationId xmlns:a16="http://schemas.microsoft.com/office/drawing/2014/main" id="{51078357-E346-462F-9FB0-1EB3406C42E0}"/>
-              </a:ext>
-            </a:extLst>
-          </p:cNvPr>
+          <p:cNvPr id="6" name="文本占位符 5"/>
           <p:cNvSpPr>
             <a:spLocks noGrp="1"/>
           </p:cNvSpPr>
@@ -3133,21 +2840,13 @@
           <a:p>
             <a:r>
               <a:rPr lang="en-US" altLang="zh-CN" dirty="0" smtClean="0"/>
-              <a:t>2020</a:t>
-            </a:r>
-            <a:r>
-              <a:rPr lang="en-US" altLang="zh-CN" dirty="0" smtClean="0"/>
-              <a:t>/12/24</a:t>
-            </a:r>
+              <a:t>2020/12/24</a:t>
+            </a:r>
+            <a:endParaRPr lang="en-US" altLang="zh-CN" dirty="0" smtClean="0"/>
           </a:p>
         </p:txBody>
       </p:sp>
     </p:spTree>
-    <p:extLst>
-      <p:ext uri="{BB962C8B-B14F-4D97-AF65-F5344CB8AC3E}">
-        <p14:creationId xmlns:p14="http://schemas.microsoft.com/office/powerpoint/2010/main" val="2071984969"/>
-      </p:ext>
-    </p:extLst>
   </p:cSld>
   <p:clrMapOvr>
     <a:masterClrMapping/>
@@ -3181,13 +2880,7 @@
       </p:grpSpPr>
       <p:sp>
         <p:nvSpPr>
-          <p:cNvPr id="4" name="内容占位符 3">
-            <a:extLst>
-              <a:ext uri="{FF2B5EF4-FFF2-40B4-BE49-F238E27FC236}">
-                <a16:creationId xmlns:a16="http://schemas.microsoft.com/office/drawing/2014/main" id="{31317F1F-A95E-4AC3-8212-1F7E741C5898}"/>
-              </a:ext>
-            </a:extLst>
-          </p:cNvPr>
+          <p:cNvPr id="4" name="内容占位符 3"/>
           <p:cNvSpPr>
             <a:spLocks noGrp="1"/>
           </p:cNvSpPr>
@@ -3222,13 +2915,7 @@
       </p:sp>
       <p:sp>
         <p:nvSpPr>
-          <p:cNvPr id="3" name="标题 2">
-            <a:extLst>
-              <a:ext uri="{FF2B5EF4-FFF2-40B4-BE49-F238E27FC236}">
-                <a16:creationId xmlns:a16="http://schemas.microsoft.com/office/drawing/2014/main" id="{D3EE4A03-DA99-4C31-921B-648D78548812}"/>
-              </a:ext>
-            </a:extLst>
-          </p:cNvPr>
+          <p:cNvPr id="3" name="标题 2"/>
           <p:cNvSpPr>
             <a:spLocks noGrp="1"/>
           </p:cNvSpPr>
@@ -3270,7 +2957,7 @@
           <p:nvPr/>
         </p:nvPicPr>
         <p:blipFill>
-          <a:blip r:embed="rId2"/>
+          <a:blip r:embed="rId1"/>
           <a:stretch>
             <a:fillRect/>
           </a:stretch>
@@ -3286,11 +2973,6 @@
         </p:spPr>
       </p:pic>
     </p:spTree>
-    <p:extLst>
-      <p:ext uri="{BB962C8B-B14F-4D97-AF65-F5344CB8AC3E}">
-        <p14:creationId xmlns:p14="http://schemas.microsoft.com/office/powerpoint/2010/main" val="4065490320"/>
-      </p:ext>
-    </p:extLst>
   </p:cSld>
   <p:clrMapOvr>
     <a:masterClrMapping/>
@@ -3324,13 +3006,7 @@
       </p:grpSpPr>
       <p:sp>
         <p:nvSpPr>
-          <p:cNvPr id="4" name="内容占位符 3">
-            <a:extLst>
-              <a:ext uri="{FF2B5EF4-FFF2-40B4-BE49-F238E27FC236}">
-                <a16:creationId xmlns:a16="http://schemas.microsoft.com/office/drawing/2014/main" id="{31317F1F-A95E-4AC3-8212-1F7E741C5898}"/>
-              </a:ext>
-            </a:extLst>
-          </p:cNvPr>
+          <p:cNvPr id="4" name="内容占位符 3"/>
           <p:cNvSpPr>
             <a:spLocks noGrp="1"/>
           </p:cNvSpPr>
@@ -3443,18 +3119,13 @@
               <a:rPr lang="en-US" altLang="zh-CN" dirty="0" smtClean="0"/>
               <a:t>==</a:t>
             </a:r>
-          </a:p>
-        </p:txBody>
-      </p:sp>
-      <p:sp>
-        <p:nvSpPr>
-          <p:cNvPr id="3" name="标题 2">
-            <a:extLst>
-              <a:ext uri="{FF2B5EF4-FFF2-40B4-BE49-F238E27FC236}">
-                <a16:creationId xmlns:a16="http://schemas.microsoft.com/office/drawing/2014/main" id="{D3EE4A03-DA99-4C31-921B-648D78548812}"/>
-              </a:ext>
-            </a:extLst>
-          </p:cNvPr>
+            <a:endParaRPr lang="en-US" altLang="zh-CN" dirty="0" smtClean="0"/>
+          </a:p>
+        </p:txBody>
+      </p:sp>
+      <p:sp>
+        <p:nvSpPr>
+          <p:cNvPr id="3" name="标题 2"/>
           <p:cNvSpPr>
             <a:spLocks noGrp="1"/>
           </p:cNvSpPr>
@@ -3496,7 +3167,7 @@
           <p:nvPr/>
         </p:nvPicPr>
         <p:blipFill>
-          <a:blip r:embed="rId2"/>
+          <a:blip r:embed="rId1"/>
           <a:stretch>
             <a:fillRect/>
           </a:stretch>
@@ -3512,11 +3183,6 @@
         </p:spPr>
       </p:pic>
     </p:spTree>
-    <p:extLst>
-      <p:ext uri="{BB962C8B-B14F-4D97-AF65-F5344CB8AC3E}">
-        <p14:creationId xmlns:p14="http://schemas.microsoft.com/office/powerpoint/2010/main" val="2092195036"/>
-      </p:ext>
-    </p:extLst>
   </p:cSld>
   <p:clrMapOvr>
     <a:masterClrMapping/>
@@ -3550,13 +3216,7 @@
       </p:grpSpPr>
       <p:sp>
         <p:nvSpPr>
-          <p:cNvPr id="3" name="标题 2">
-            <a:extLst>
-              <a:ext uri="{FF2B5EF4-FFF2-40B4-BE49-F238E27FC236}">
-                <a16:creationId xmlns:a16="http://schemas.microsoft.com/office/drawing/2014/main" id="{AC4D4442-84E6-4682-9531-E64ECCCF2C7A}"/>
-              </a:ext>
-            </a:extLst>
-          </p:cNvPr>
+          <p:cNvPr id="3" name="标题 2"/>
           <p:cNvSpPr>
             <a:spLocks noGrp="1"/>
           </p:cNvSpPr>
@@ -3591,13 +3251,7 @@
       </p:sp>
       <p:sp>
         <p:nvSpPr>
-          <p:cNvPr id="4" name="文本占位符 3">
-            <a:extLst>
-              <a:ext uri="{FF2B5EF4-FFF2-40B4-BE49-F238E27FC236}">
-                <a16:creationId xmlns:a16="http://schemas.microsoft.com/office/drawing/2014/main" id="{A50AE434-9EE9-4F52-B581-1285D88C7B98}"/>
-              </a:ext>
-            </a:extLst>
-          </p:cNvPr>
+          <p:cNvPr id="4" name="文本占位符 3"/>
           <p:cNvSpPr>
             <a:spLocks noGrp="1"/>
           </p:cNvSpPr>
@@ -3620,13 +3274,7 @@
       </p:sp>
       <p:sp>
         <p:nvSpPr>
-          <p:cNvPr id="5" name="文本占位符 4">
-            <a:extLst>
-              <a:ext uri="{FF2B5EF4-FFF2-40B4-BE49-F238E27FC236}">
-                <a16:creationId xmlns:a16="http://schemas.microsoft.com/office/drawing/2014/main" id="{3BEBFFE0-B61D-46CA-889C-D2B982A6A51E}"/>
-              </a:ext>
-            </a:extLst>
-          </p:cNvPr>
+          <p:cNvPr id="5" name="文本占位符 4"/>
           <p:cNvSpPr>
             <a:spLocks noGrp="1"/>
           </p:cNvSpPr>
@@ -3649,13 +3297,7 @@
       </p:sp>
       <p:sp>
         <p:nvSpPr>
-          <p:cNvPr id="6" name="内容占位符 5">
-            <a:extLst>
-              <a:ext uri="{FF2B5EF4-FFF2-40B4-BE49-F238E27FC236}">
-                <a16:creationId xmlns:a16="http://schemas.microsoft.com/office/drawing/2014/main" id="{14917F40-56FE-4E1B-8C1F-09998E5326F7}"/>
-              </a:ext>
-            </a:extLst>
-          </p:cNvPr>
+          <p:cNvPr id="6" name="内容占位符 5"/>
           <p:cNvSpPr>
             <a:spLocks noGrp="1"/>
           </p:cNvSpPr>
@@ -3673,11 +3315,6 @@
         </p:txBody>
       </p:sp>
     </p:spTree>
-    <p:extLst>
-      <p:ext uri="{BB962C8B-B14F-4D97-AF65-F5344CB8AC3E}">
-        <p14:creationId xmlns:p14="http://schemas.microsoft.com/office/powerpoint/2010/main" val="2823208593"/>
-      </p:ext>
-    </p:extLst>
   </p:cSld>
   <p:clrMapOvr>
     <a:masterClrMapping/>
@@ -3711,13 +3348,7 @@
       </p:grpSpPr>
       <p:sp>
         <p:nvSpPr>
-          <p:cNvPr id="4" name="内容占位符 3">
-            <a:extLst>
-              <a:ext uri="{FF2B5EF4-FFF2-40B4-BE49-F238E27FC236}">
-                <a16:creationId xmlns:a16="http://schemas.microsoft.com/office/drawing/2014/main" id="{31317F1F-A95E-4AC3-8212-1F7E741C5898}"/>
-              </a:ext>
-            </a:extLst>
-          </p:cNvPr>
+          <p:cNvPr id="4" name="内容占位符 3"/>
           <p:cNvSpPr>
             <a:spLocks noGrp="1"/>
           </p:cNvSpPr>
@@ -3775,13 +3406,7 @@
       </p:sp>
       <p:sp>
         <p:nvSpPr>
-          <p:cNvPr id="3" name="标题 2">
-            <a:extLst>
-              <a:ext uri="{FF2B5EF4-FFF2-40B4-BE49-F238E27FC236}">
-                <a16:creationId xmlns:a16="http://schemas.microsoft.com/office/drawing/2014/main" id="{D3EE4A03-DA99-4C31-921B-648D78548812}"/>
-              </a:ext>
-            </a:extLst>
-          </p:cNvPr>
+          <p:cNvPr id="3" name="标题 2"/>
           <p:cNvSpPr>
             <a:spLocks noGrp="1"/>
           </p:cNvSpPr>
@@ -3819,7 +3444,7 @@
           <p:nvPr/>
         </p:nvPicPr>
         <p:blipFill>
-          <a:blip r:embed="rId2"/>
+          <a:blip r:embed="rId1"/>
           <a:stretch>
             <a:fillRect/>
           </a:stretch>
@@ -3843,7 +3468,7 @@
           <p:nvPr/>
         </p:nvPicPr>
         <p:blipFill>
-          <a:blip r:embed="rId3"/>
+          <a:blip r:embed="rId2"/>
           <a:stretch>
             <a:fillRect/>
           </a:stretch>
@@ -3859,11 +3484,6 @@
         </p:spPr>
       </p:pic>
     </p:spTree>
-    <p:extLst>
-      <p:ext uri="{BB962C8B-B14F-4D97-AF65-F5344CB8AC3E}">
-        <p14:creationId xmlns:p14="http://schemas.microsoft.com/office/powerpoint/2010/main" val="3025535274"/>
-      </p:ext>
-    </p:extLst>
   </p:cSld>
   <p:clrMapOvr>
     <a:masterClrMapping/>
@@ -3897,13 +3517,7 @@
       </p:grpSpPr>
       <p:sp>
         <p:nvSpPr>
-          <p:cNvPr id="4" name="内容占位符 3">
-            <a:extLst>
-              <a:ext uri="{FF2B5EF4-FFF2-40B4-BE49-F238E27FC236}">
-                <a16:creationId xmlns:a16="http://schemas.microsoft.com/office/drawing/2014/main" id="{31317F1F-A95E-4AC3-8212-1F7E741C5898}"/>
-              </a:ext>
-            </a:extLst>
-          </p:cNvPr>
+          <p:cNvPr id="4" name="内容占位符 3"/>
           <p:cNvSpPr>
             <a:spLocks noGrp="1"/>
           </p:cNvSpPr>
@@ -3930,13 +3544,7 @@
       </p:sp>
       <p:sp>
         <p:nvSpPr>
-          <p:cNvPr id="3" name="标题 2">
-            <a:extLst>
-              <a:ext uri="{FF2B5EF4-FFF2-40B4-BE49-F238E27FC236}">
-                <a16:creationId xmlns:a16="http://schemas.microsoft.com/office/drawing/2014/main" id="{D3EE4A03-DA99-4C31-921B-648D78548812}"/>
-              </a:ext>
-            </a:extLst>
-          </p:cNvPr>
+          <p:cNvPr id="3" name="标题 2"/>
           <p:cNvSpPr>
             <a:spLocks noGrp="1"/>
           </p:cNvSpPr>
@@ -3978,7 +3586,7 @@
           <p:nvPr/>
         </p:nvPicPr>
         <p:blipFill>
-          <a:blip r:embed="rId2"/>
+          <a:blip r:embed="rId1"/>
           <a:stretch>
             <a:fillRect/>
           </a:stretch>
@@ -3994,11 +3602,6 @@
         </p:spPr>
       </p:pic>
     </p:spTree>
-    <p:extLst>
-      <p:ext uri="{BB962C8B-B14F-4D97-AF65-F5344CB8AC3E}">
-        <p14:creationId xmlns:p14="http://schemas.microsoft.com/office/powerpoint/2010/main" val="1422863853"/>
-      </p:ext>
-    </p:extLst>
   </p:cSld>
   <p:clrMapOvr>
     <a:masterClrMapping/>
@@ -4032,13 +3635,7 @@
       </p:grpSpPr>
       <p:sp>
         <p:nvSpPr>
-          <p:cNvPr id="4" name="内容占位符 3">
-            <a:extLst>
-              <a:ext uri="{FF2B5EF4-FFF2-40B4-BE49-F238E27FC236}">
-                <a16:creationId xmlns:a16="http://schemas.microsoft.com/office/drawing/2014/main" id="{31317F1F-A95E-4AC3-8212-1F7E741C5898}"/>
-              </a:ext>
-            </a:extLst>
-          </p:cNvPr>
+          <p:cNvPr id="4" name="内容占位符 3"/>
           <p:cNvSpPr>
             <a:spLocks noGrp="1"/>
           </p:cNvSpPr>
@@ -4105,13 +3702,7 @@
       </p:sp>
       <p:sp>
         <p:nvSpPr>
-          <p:cNvPr id="3" name="标题 2">
-            <a:extLst>
-              <a:ext uri="{FF2B5EF4-FFF2-40B4-BE49-F238E27FC236}">
-                <a16:creationId xmlns:a16="http://schemas.microsoft.com/office/drawing/2014/main" id="{D3EE4A03-DA99-4C31-921B-648D78548812}"/>
-              </a:ext>
-            </a:extLst>
-          </p:cNvPr>
+          <p:cNvPr id="3" name="标题 2"/>
           <p:cNvSpPr>
             <a:spLocks noGrp="1"/>
           </p:cNvSpPr>
@@ -4153,7 +3744,7 @@
           <p:nvPr/>
         </p:nvPicPr>
         <p:blipFill>
-          <a:blip r:embed="rId2"/>
+          <a:blip r:embed="rId1"/>
           <a:stretch>
             <a:fillRect/>
           </a:stretch>
@@ -4169,11 +3760,6 @@
         </p:spPr>
       </p:pic>
     </p:spTree>
-    <p:extLst>
-      <p:ext uri="{BB962C8B-B14F-4D97-AF65-F5344CB8AC3E}">
-        <p14:creationId xmlns:p14="http://schemas.microsoft.com/office/powerpoint/2010/main" val="527569498"/>
-      </p:ext>
-    </p:extLst>
   </p:cSld>
   <p:clrMapOvr>
     <a:masterClrMapping/>
@@ -4207,13 +3793,7 @@
       </p:grpSpPr>
       <p:sp>
         <p:nvSpPr>
-          <p:cNvPr id="4" name="内容占位符 3">
-            <a:extLst>
-              <a:ext uri="{FF2B5EF4-FFF2-40B4-BE49-F238E27FC236}">
-                <a16:creationId xmlns:a16="http://schemas.microsoft.com/office/drawing/2014/main" id="{31317F1F-A95E-4AC3-8212-1F7E741C5898}"/>
-              </a:ext>
-            </a:extLst>
-          </p:cNvPr>
+          <p:cNvPr id="4" name="内容占位符 3"/>
           <p:cNvSpPr>
             <a:spLocks noGrp="1"/>
           </p:cNvSpPr>
@@ -4236,13 +3816,7 @@
       </p:sp>
       <p:sp>
         <p:nvSpPr>
-          <p:cNvPr id="3" name="标题 2">
-            <a:extLst>
-              <a:ext uri="{FF2B5EF4-FFF2-40B4-BE49-F238E27FC236}">
-                <a16:creationId xmlns:a16="http://schemas.microsoft.com/office/drawing/2014/main" id="{D3EE4A03-DA99-4C31-921B-648D78548812}"/>
-              </a:ext>
-            </a:extLst>
-          </p:cNvPr>
+          <p:cNvPr id="3" name="标题 2"/>
           <p:cNvSpPr>
             <a:spLocks noGrp="1"/>
           </p:cNvSpPr>
@@ -4255,16 +3829,19 @@
           <a:bodyPr/>
           <a:lstStyle/>
           <a:p>
-            <a:endParaRPr lang="zh-CN" altLang="en-US" dirty="0"/>
+            <a:r>
+              <a:rPr lang="zh-CN" altLang="en-US" dirty="0"/>
+              <a:t>脚本使用</a:t>
+            </a:r>
+            <a:r>
+              <a:rPr lang="en-US" altLang="zh-CN" dirty="0"/>
+              <a:t>Delegate</a:t>
+            </a:r>
+            <a:endParaRPr lang="en-US" altLang="zh-CN" dirty="0"/>
           </a:p>
         </p:txBody>
       </p:sp>
     </p:spTree>
-    <p:extLst>
-      <p:ext uri="{BB962C8B-B14F-4D97-AF65-F5344CB8AC3E}">
-        <p14:creationId xmlns:p14="http://schemas.microsoft.com/office/powerpoint/2010/main" val="2746966990"/>
-      </p:ext>
-    </p:extLst>
   </p:cSld>
   <p:clrMapOvr>
     <a:masterClrMapping/>
@@ -4298,13 +3875,7 @@
       </p:grpSpPr>
       <p:sp>
         <p:nvSpPr>
-          <p:cNvPr id="4" name="内容占位符 3">
-            <a:extLst>
-              <a:ext uri="{FF2B5EF4-FFF2-40B4-BE49-F238E27FC236}">
-                <a16:creationId xmlns:a16="http://schemas.microsoft.com/office/drawing/2014/main" id="{31317F1F-A95E-4AC3-8212-1F7E741C5898}"/>
-              </a:ext>
-            </a:extLst>
-          </p:cNvPr>
+          <p:cNvPr id="4" name="内容占位符 3"/>
           <p:cNvSpPr>
             <a:spLocks noGrp="1"/>
           </p:cNvSpPr>
@@ -4327,13 +3898,7 @@
       </p:sp>
       <p:sp>
         <p:nvSpPr>
-          <p:cNvPr id="3" name="标题 2">
-            <a:extLst>
-              <a:ext uri="{FF2B5EF4-FFF2-40B4-BE49-F238E27FC236}">
-                <a16:creationId xmlns:a16="http://schemas.microsoft.com/office/drawing/2014/main" id="{D3EE4A03-DA99-4C31-921B-648D78548812}"/>
-              </a:ext>
-            </a:extLst>
-          </p:cNvPr>
+          <p:cNvPr id="3" name="标题 2"/>
           <p:cNvSpPr>
             <a:spLocks noGrp="1"/>
           </p:cNvSpPr>
@@ -4346,16 +3911,15 @@
           <a:bodyPr/>
           <a:lstStyle/>
           <a:p>
+            <a:r>
+              <a:rPr lang="zh-CN" altLang="en-US" dirty="0"/>
+              <a:t>快速反射</a:t>
+            </a:r>
             <a:endParaRPr lang="zh-CN" altLang="en-US" dirty="0"/>
           </a:p>
         </p:txBody>
       </p:sp>
     </p:spTree>
-    <p:extLst>
-      <p:ext uri="{BB962C8B-B14F-4D97-AF65-F5344CB8AC3E}">
-        <p14:creationId xmlns:p14="http://schemas.microsoft.com/office/powerpoint/2010/main" val="272727470"/>
-      </p:ext>
-    </p:extLst>
   </p:cSld>
   <p:clrMapOvr>
     <a:masterClrMapping/>
@@ -4389,13 +3953,7 @@
       </p:grpSpPr>
       <p:sp>
         <p:nvSpPr>
-          <p:cNvPr id="4" name="内容占位符 3">
-            <a:extLst>
-              <a:ext uri="{FF2B5EF4-FFF2-40B4-BE49-F238E27FC236}">
-                <a16:creationId xmlns:a16="http://schemas.microsoft.com/office/drawing/2014/main" id="{31317F1F-A95E-4AC3-8212-1F7E741C5898}"/>
-              </a:ext>
-            </a:extLst>
-          </p:cNvPr>
+          <p:cNvPr id="4" name="内容占位符 3"/>
           <p:cNvSpPr>
             <a:spLocks noGrp="1"/>
           </p:cNvSpPr>
@@ -4412,19 +3970,17 @@
               <a:buFont typeface="+mj-lt"/>
               <a:buAutoNum type="arabicPeriod"/>
             </a:pPr>
+            <a:r>
+              <a:rPr lang="en-US" altLang="zh-CN" dirty="0" smtClean="0"/>
+              <a:t>http://www.fengyuezhu.com/static/projects/Scorpio-CSharp/unitysample/</a:t>
+            </a:r>
             <a:endParaRPr lang="en-US" altLang="zh-CN" dirty="0" smtClean="0"/>
           </a:p>
         </p:txBody>
       </p:sp>
       <p:sp>
         <p:nvSpPr>
-          <p:cNvPr id="3" name="标题 2">
-            <a:extLst>
-              <a:ext uri="{FF2B5EF4-FFF2-40B4-BE49-F238E27FC236}">
-                <a16:creationId xmlns:a16="http://schemas.microsoft.com/office/drawing/2014/main" id="{D3EE4A03-DA99-4C31-921B-648D78548812}"/>
-              </a:ext>
-            </a:extLst>
-          </p:cNvPr>
+          <p:cNvPr id="3" name="标题 2"/>
           <p:cNvSpPr>
             <a:spLocks noGrp="1"/>
           </p:cNvSpPr>
@@ -4437,16 +3993,15 @@
           <a:bodyPr/>
           <a:lstStyle/>
           <a:p>
-            <a:endParaRPr lang="zh-CN" altLang="en-US" dirty="0"/>
+            <a:r>
+              <a:rPr lang="en-US" altLang="zh-CN" dirty="0"/>
+              <a:t>Unity</a:t>
+            </a:r>
+            <a:endParaRPr lang="en-US" altLang="zh-CN" dirty="0"/>
           </a:p>
         </p:txBody>
       </p:sp>
     </p:spTree>
-    <p:extLst>
-      <p:ext uri="{BB962C8B-B14F-4D97-AF65-F5344CB8AC3E}">
-        <p14:creationId xmlns:p14="http://schemas.microsoft.com/office/powerpoint/2010/main" val="2956016784"/>
-      </p:ext>
-    </p:extLst>
   </p:cSld>
   <p:clrMapOvr>
     <a:masterClrMapping/>
@@ -4480,13 +4035,7 @@
       </p:grpSpPr>
       <p:sp>
         <p:nvSpPr>
-          <p:cNvPr id="4" name="内容占位符 3">
-            <a:extLst>
-              <a:ext uri="{FF2B5EF4-FFF2-40B4-BE49-F238E27FC236}">
-                <a16:creationId xmlns:a16="http://schemas.microsoft.com/office/drawing/2014/main" id="{31317F1F-A95E-4AC3-8212-1F7E741C5898}"/>
-              </a:ext>
-            </a:extLst>
-          </p:cNvPr>
+          <p:cNvPr id="4" name="内容占位符 3"/>
           <p:cNvSpPr>
             <a:spLocks noGrp="1"/>
           </p:cNvSpPr>
@@ -4509,13 +4058,7 @@
       </p:sp>
       <p:sp>
         <p:nvSpPr>
-          <p:cNvPr id="3" name="标题 2">
-            <a:extLst>
-              <a:ext uri="{FF2B5EF4-FFF2-40B4-BE49-F238E27FC236}">
-                <a16:creationId xmlns:a16="http://schemas.microsoft.com/office/drawing/2014/main" id="{D3EE4A03-DA99-4C31-921B-648D78548812}"/>
-              </a:ext>
-            </a:extLst>
-          </p:cNvPr>
+          <p:cNvPr id="3" name="标题 2"/>
           <p:cNvSpPr>
             <a:spLocks noGrp="1"/>
           </p:cNvSpPr>
@@ -4533,11 +4076,6 @@
         </p:txBody>
       </p:sp>
     </p:spTree>
-    <p:extLst>
-      <p:ext uri="{BB962C8B-B14F-4D97-AF65-F5344CB8AC3E}">
-        <p14:creationId xmlns:p14="http://schemas.microsoft.com/office/powerpoint/2010/main" val="3526894425"/>
-      </p:ext>
-    </p:extLst>
   </p:cSld>
   <p:clrMapOvr>
     <a:masterClrMapping/>
@@ -4571,13 +4109,7 @@
       </p:grpSpPr>
       <p:sp>
         <p:nvSpPr>
-          <p:cNvPr id="2" name="内容占位符 1">
-            <a:extLst>
-              <a:ext uri="{FF2B5EF4-FFF2-40B4-BE49-F238E27FC236}">
-                <a16:creationId xmlns:a16="http://schemas.microsoft.com/office/drawing/2014/main" id="{771D926E-41B9-4AA7-97E8-007B095F6EFE}"/>
-              </a:ext>
-            </a:extLst>
-          </p:cNvPr>
+          <p:cNvPr id="2" name="内容占位符 1"/>
           <p:cNvSpPr>
             <a:spLocks noGrp="1"/>
           </p:cNvSpPr>
@@ -4652,11 +4184,6 @@
         </p:txBody>
       </p:sp>
     </p:spTree>
-    <p:extLst>
-      <p:ext uri="{BB962C8B-B14F-4D97-AF65-F5344CB8AC3E}">
-        <p14:creationId xmlns:p14="http://schemas.microsoft.com/office/powerpoint/2010/main" val="935470958"/>
-      </p:ext>
-    </p:extLst>
   </p:cSld>
   <p:clrMapOvr>
     <a:masterClrMapping/>
@@ -4690,13 +4217,7 @@
       </p:grpSpPr>
       <p:sp>
         <p:nvSpPr>
-          <p:cNvPr id="5" name="灯片编号占位符 4">
-            <a:extLst>
-              <a:ext uri="{FF2B5EF4-FFF2-40B4-BE49-F238E27FC236}">
-                <a16:creationId xmlns:a16="http://schemas.microsoft.com/office/drawing/2014/main" id="{7F5B1415-B300-4E9C-A291-6FE97B1AF978}"/>
-              </a:ext>
-            </a:extLst>
-          </p:cNvPr>
+          <p:cNvPr id="5" name="灯片编号占位符 4"/>
           <p:cNvSpPr>
             <a:spLocks noGrp="1"/>
           </p:cNvSpPr>
@@ -4716,19 +4237,12 @@
           <a:p>
             <a:fld id="{5DD3DB80-B894-403A-B48E-6FDC1A72010E}" type="slidenum">
               <a:rPr lang="zh-CN" altLang="en-US" smtClean="0"/>
-              <a:pPr/>
-              <a:t>20</a:t>
             </a:fld>
             <a:endParaRPr lang="zh-CN" altLang="en-US"/>
           </a:p>
         </p:txBody>
       </p:sp>
     </p:spTree>
-    <p:extLst>
-      <p:ext uri="{BB962C8B-B14F-4D97-AF65-F5344CB8AC3E}">
-        <p14:creationId xmlns:p14="http://schemas.microsoft.com/office/powerpoint/2010/main" val="1265830680"/>
-      </p:ext>
-    </p:extLst>
   </p:cSld>
   <p:clrMapOvr>
     <a:masterClrMapping/>
@@ -4755,13 +4269,7 @@
       </p:grpSpPr>
       <p:sp>
         <p:nvSpPr>
-          <p:cNvPr id="3" name="标题 2">
-            <a:extLst>
-              <a:ext uri="{FF2B5EF4-FFF2-40B4-BE49-F238E27FC236}">
-                <a16:creationId xmlns:a16="http://schemas.microsoft.com/office/drawing/2014/main" id="{AC4D4442-84E6-4682-9531-E64ECCCF2C7A}"/>
-              </a:ext>
-            </a:extLst>
-          </p:cNvPr>
+          <p:cNvPr id="3" name="标题 2"/>
           <p:cNvSpPr>
             <a:spLocks noGrp="1"/>
           </p:cNvSpPr>
@@ -4792,13 +4300,7 @@
       </p:sp>
       <p:sp>
         <p:nvSpPr>
-          <p:cNvPr id="4" name="文本占位符 3">
-            <a:extLst>
-              <a:ext uri="{FF2B5EF4-FFF2-40B4-BE49-F238E27FC236}">
-                <a16:creationId xmlns:a16="http://schemas.microsoft.com/office/drawing/2014/main" id="{A50AE434-9EE9-4F52-B581-1285D88C7B98}"/>
-              </a:ext>
-            </a:extLst>
-          </p:cNvPr>
+          <p:cNvPr id="4" name="文本占位符 3"/>
           <p:cNvSpPr>
             <a:spLocks noGrp="1"/>
           </p:cNvSpPr>
@@ -4821,13 +4323,7 @@
       </p:sp>
       <p:sp>
         <p:nvSpPr>
-          <p:cNvPr id="5" name="文本占位符 4">
-            <a:extLst>
-              <a:ext uri="{FF2B5EF4-FFF2-40B4-BE49-F238E27FC236}">
-                <a16:creationId xmlns:a16="http://schemas.microsoft.com/office/drawing/2014/main" id="{3BEBFFE0-B61D-46CA-889C-D2B982A6A51E}"/>
-              </a:ext>
-            </a:extLst>
-          </p:cNvPr>
+          <p:cNvPr id="5" name="文本占位符 4"/>
           <p:cNvSpPr>
             <a:spLocks noGrp="1"/>
           </p:cNvSpPr>
@@ -4850,13 +4346,7 @@
       </p:sp>
       <p:sp>
         <p:nvSpPr>
-          <p:cNvPr id="6" name="内容占位符 5">
-            <a:extLst>
-              <a:ext uri="{FF2B5EF4-FFF2-40B4-BE49-F238E27FC236}">
-                <a16:creationId xmlns:a16="http://schemas.microsoft.com/office/drawing/2014/main" id="{14917F40-56FE-4E1B-8C1F-09998E5326F7}"/>
-              </a:ext>
-            </a:extLst>
-          </p:cNvPr>
+          <p:cNvPr id="6" name="内容占位符 5"/>
           <p:cNvSpPr>
             <a:spLocks noGrp="1"/>
           </p:cNvSpPr>
@@ -4874,11 +4364,6 @@
         </p:txBody>
       </p:sp>
     </p:spTree>
-    <p:extLst>
-      <p:ext uri="{BB962C8B-B14F-4D97-AF65-F5344CB8AC3E}">
-        <p14:creationId xmlns:p14="http://schemas.microsoft.com/office/powerpoint/2010/main" val="2208009231"/>
-      </p:ext>
-    </p:extLst>
   </p:cSld>
   <p:clrMapOvr>
     <a:masterClrMapping/>
@@ -4912,13 +4397,7 @@
       </p:grpSpPr>
       <p:sp>
         <p:nvSpPr>
-          <p:cNvPr id="4" name="内容占位符 3">
-            <a:extLst>
-              <a:ext uri="{FF2B5EF4-FFF2-40B4-BE49-F238E27FC236}">
-                <a16:creationId xmlns:a16="http://schemas.microsoft.com/office/drawing/2014/main" id="{31317F1F-A95E-4AC3-8212-1F7E741C5898}"/>
-              </a:ext>
-            </a:extLst>
-          </p:cNvPr>
+          <p:cNvPr id="4" name="内容占位符 3"/>
           <p:cNvSpPr>
             <a:spLocks noGrp="1"/>
           </p:cNvSpPr>
@@ -5015,6 +4494,7 @@
               <a:rPr lang="en-US" altLang="zh-CN" sz="2800" dirty="0"/>
               <a:t>.</a:t>
             </a:r>
+            <a:endParaRPr lang="en-US" altLang="zh-CN" sz="2800" dirty="0"/>
           </a:p>
           <a:p>
             <a:r>
@@ -5069,6 +4549,7 @@
               <a:rPr lang="zh-CN" altLang="en-US" dirty="0"/>
               <a:t>及以上</a:t>
             </a:r>
+            <a:endParaRPr lang="zh-CN" altLang="en-US" dirty="0"/>
           </a:p>
           <a:p>
             <a:pPr lvl="1"/>
@@ -5084,6 +4565,7 @@
               <a:rPr lang="zh-CN" altLang="en-US" dirty="0"/>
               <a:t>及以上</a:t>
             </a:r>
+            <a:endParaRPr lang="zh-CN" altLang="en-US" dirty="0"/>
           </a:p>
           <a:p>
             <a:pPr lvl="1"/>
@@ -5099,6 +4581,7 @@
               <a:rPr lang="zh-CN" altLang="en-US" dirty="0"/>
               <a:t>及以上</a:t>
             </a:r>
+            <a:endParaRPr lang="zh-CN" altLang="en-US" dirty="0"/>
           </a:p>
           <a:p>
             <a:pPr lvl="1"/>
@@ -5106,6 +4589,7 @@
               <a:rPr lang="en-US" altLang="zh-CN" dirty="0"/>
               <a:t>asp.net</a:t>
             </a:r>
+            <a:endParaRPr lang="en-US" altLang="zh-CN" dirty="0"/>
           </a:p>
           <a:p>
             <a:pPr lvl="1"/>
@@ -5113,6 +4597,7 @@
               <a:rPr lang="en-US" altLang="zh-CN" dirty="0"/>
               <a:t>asp.net core</a:t>
             </a:r>
+            <a:endParaRPr lang="en-US" altLang="zh-CN" dirty="0"/>
           </a:p>
           <a:p>
             <a:pPr lvl="1"/>
@@ -5120,6 +4605,7 @@
               <a:rPr lang="en-US" altLang="zh-CN" dirty="0"/>
               <a:t>mono</a:t>
             </a:r>
+            <a:endParaRPr lang="en-US" altLang="zh-CN" dirty="0"/>
           </a:p>
           <a:p>
             <a:pPr lvl="1"/>
@@ -5137,13 +4623,7 @@
       </p:sp>
       <p:sp>
         <p:nvSpPr>
-          <p:cNvPr id="3" name="标题 2">
-            <a:extLst>
-              <a:ext uri="{FF2B5EF4-FFF2-40B4-BE49-F238E27FC236}">
-                <a16:creationId xmlns:a16="http://schemas.microsoft.com/office/drawing/2014/main" id="{D3EE4A03-DA99-4C31-921B-648D78548812}"/>
-              </a:ext>
-            </a:extLst>
-          </p:cNvPr>
+          <p:cNvPr id="3" name="标题 2"/>
           <p:cNvSpPr>
             <a:spLocks noGrp="1"/>
           </p:cNvSpPr>
@@ -5167,11 +4647,6 @@
         </p:txBody>
       </p:sp>
     </p:spTree>
-    <p:extLst>
-      <p:ext uri="{BB962C8B-B14F-4D97-AF65-F5344CB8AC3E}">
-        <p14:creationId xmlns:p14="http://schemas.microsoft.com/office/powerpoint/2010/main" val="3917753714"/>
-      </p:ext>
-    </p:extLst>
   </p:cSld>
   <p:clrMapOvr>
     <a:masterClrMapping/>
@@ -5205,13 +4680,7 @@
       </p:grpSpPr>
       <p:sp>
         <p:nvSpPr>
-          <p:cNvPr id="4" name="内容占位符 3">
-            <a:extLst>
-              <a:ext uri="{FF2B5EF4-FFF2-40B4-BE49-F238E27FC236}">
-                <a16:creationId xmlns:a16="http://schemas.microsoft.com/office/drawing/2014/main" id="{31317F1F-A95E-4AC3-8212-1F7E741C5898}"/>
-              </a:ext>
-            </a:extLst>
-          </p:cNvPr>
+          <p:cNvPr id="4" name="内容占位符 3"/>
           <p:cNvSpPr>
             <a:spLocks noGrp="1"/>
           </p:cNvSpPr>
@@ -5224,13 +4693,13 @@
           <a:bodyPr/>
           <a:lstStyle/>
           <a:p>
-            <a:pPr marL="914353" lvl="2" indent="0">
+            <a:pPr marL="914400" lvl="2" indent="0">
               <a:buNone/>
             </a:pPr>
             <a:endParaRPr lang="en-US" altLang="zh-CN" dirty="0"/>
           </a:p>
           <a:p>
-            <a:pPr marL="914353" lvl="2" indent="0">
+            <a:pPr marL="914400" lvl="2" indent="0">
               <a:buNone/>
             </a:pPr>
             <a:endParaRPr lang="zh-CN" altLang="en-US" dirty="0"/>
@@ -5239,13 +4708,7 @@
       </p:sp>
       <p:sp>
         <p:nvSpPr>
-          <p:cNvPr id="3" name="标题 2">
-            <a:extLst>
-              <a:ext uri="{FF2B5EF4-FFF2-40B4-BE49-F238E27FC236}">
-                <a16:creationId xmlns:a16="http://schemas.microsoft.com/office/drawing/2014/main" id="{D3EE4A03-DA99-4C31-921B-648D78548812}"/>
-              </a:ext>
-            </a:extLst>
-          </p:cNvPr>
+          <p:cNvPr id="3" name="标题 2"/>
           <p:cNvSpPr>
             <a:spLocks noGrp="1"/>
           </p:cNvSpPr>
@@ -5272,13 +4735,7 @@
           <p:cNvGraphicFramePr>
             <a:graphicFrameLocks noGrp="1"/>
           </p:cNvGraphicFramePr>
-          <p:nvPr>
-            <p:extLst>
-              <p:ext uri="{D42A27DB-BD31-4B8C-83A1-F6EECF244321}">
-                <p14:modId xmlns:p14="http://schemas.microsoft.com/office/powerpoint/2010/main" val="13003918"/>
-              </p:ext>
-            </p:extLst>
-          </p:nvPr>
+          <p:nvPr/>
         </p:nvGraphicFramePr>
         <p:xfrm>
           <a:off x="772399" y="1130301"/>
@@ -5291,20 +4748,8 @@
                 <a:tableStyleId>{073A0DAA-6AF3-43AB-8588-CEC1D06C72B9}</a:tableStyleId>
               </a:tblPr>
               <a:tblGrid>
-                <a:gridCol w="2105950">
-                  <a:extLst>
-                    <a:ext uri="{9D8B030D-6E8A-4147-A177-3AD203B41FA5}">
-                      <a16:colId xmlns:a16="http://schemas.microsoft.com/office/drawing/2014/main" val="2853974149"/>
-                    </a:ext>
-                  </a:extLst>
-                </a:gridCol>
-                <a:gridCol w="8299723">
-                  <a:extLst>
-                    <a:ext uri="{9D8B030D-6E8A-4147-A177-3AD203B41FA5}">
-                      <a16:colId xmlns:a16="http://schemas.microsoft.com/office/drawing/2014/main" val="2340897644"/>
-                    </a:ext>
-                  </a:extLst>
-                </a:gridCol>
+                <a:gridCol w="2105950"/>
+                <a:gridCol w="8299723"/>
               </a:tblGrid>
               <a:tr h="383947">
                 <a:tc>
@@ -5335,11 +4780,6 @@
                   </a:txBody>
                   <a:tcPr/>
                 </a:tc>
-                <a:extLst>
-                  <a:ext uri="{0D108BD9-81ED-4DB2-BD59-A6C34878D82A}">
-                    <a16:rowId xmlns:a16="http://schemas.microsoft.com/office/drawing/2014/main" val="3146300149"/>
-                  </a:ext>
-                </a:extLst>
               </a:tr>
               <a:tr h="447839">
                 <a:tc>
@@ -5370,11 +4810,6 @@
                   </a:txBody>
                   <a:tcPr/>
                 </a:tc>
-                <a:extLst>
-                  <a:ext uri="{0D108BD9-81ED-4DB2-BD59-A6C34878D82A}">
-                    <a16:rowId xmlns:a16="http://schemas.microsoft.com/office/drawing/2014/main" val="3389913876"/>
-                  </a:ext>
-                </a:extLst>
               </a:tr>
               <a:tr h="413553">
                 <a:tc>
@@ -5413,11 +4848,6 @@
                   </a:txBody>
                   <a:tcPr/>
                 </a:tc>
-                <a:extLst>
-                  <a:ext uri="{0D108BD9-81ED-4DB2-BD59-A6C34878D82A}">
-                    <a16:rowId xmlns:a16="http://schemas.microsoft.com/office/drawing/2014/main" val="2936252734"/>
-                  </a:ext>
-                </a:extLst>
               </a:tr>
               <a:tr h="382920">
                 <a:tc>
@@ -5460,11 +4890,6 @@
                   </a:txBody>
                   <a:tcPr/>
                 </a:tc>
-                <a:extLst>
-                  <a:ext uri="{0D108BD9-81ED-4DB2-BD59-A6C34878D82A}">
-                    <a16:rowId xmlns:a16="http://schemas.microsoft.com/office/drawing/2014/main" val="2861454549"/>
-                  </a:ext>
-                </a:extLst>
               </a:tr>
               <a:tr h="355350">
                 <a:tc>
@@ -5515,11 +4940,6 @@
                   </a:txBody>
                   <a:tcPr/>
                 </a:tc>
-                <a:extLst>
-                  <a:ext uri="{0D108BD9-81ED-4DB2-BD59-A6C34878D82A}">
-                    <a16:rowId xmlns:a16="http://schemas.microsoft.com/office/drawing/2014/main" val="2474517587"/>
-                  </a:ext>
-                </a:extLst>
               </a:tr>
               <a:tr h="448782">
                 <a:tc>
@@ -5570,11 +4990,6 @@
                   </a:txBody>
                   <a:tcPr/>
                 </a:tc>
-                <a:extLst>
-                  <a:ext uri="{0D108BD9-81ED-4DB2-BD59-A6C34878D82A}">
-                    <a16:rowId xmlns:a16="http://schemas.microsoft.com/office/drawing/2014/main" val="1796952460"/>
-                  </a:ext>
-                </a:extLst>
               </a:tr>
               <a:tr h="398236">
                 <a:tc>
@@ -5582,7 +4997,7 @@
                     <a:bodyPr/>
                     <a:lstStyle/>
                     <a:p>
-                      <a:pPr marL="0" marR="0" indent="0" algn="l" defTabSz="914354" rtl="0" eaLnBrk="1" fontAlgn="auto" latinLnBrk="0" hangingPunct="1">
+                      <a:pPr marL="0" marR="0" indent="0" algn="l" defTabSz="913765" rtl="0" eaLnBrk="1" fontAlgn="auto" latinLnBrk="0" hangingPunct="1">
                         <a:lnSpc>
                           <a:spcPct val="100000"/>
                         </a:lnSpc>
@@ -5596,7 +5011,6 @@
                         <a:buSzTx/>
                         <a:buFontTx/>
                         <a:buNone/>
-                        <a:tabLst/>
                         <a:defRPr/>
                       </a:pPr>
                       <a:r>
@@ -5613,7 +5027,7 @@
                     <a:bodyPr/>
                     <a:lstStyle/>
                     <a:p>
-                      <a:pPr marL="0" marR="0" indent="0" algn="l" defTabSz="914354" rtl="0" eaLnBrk="1" fontAlgn="auto" latinLnBrk="0" hangingPunct="1">
+                      <a:pPr marL="0" marR="0" indent="0" algn="l" defTabSz="913765" rtl="0" eaLnBrk="1" fontAlgn="auto" latinLnBrk="0" hangingPunct="1">
                         <a:lnSpc>
                           <a:spcPct val="100000"/>
                         </a:lnSpc>
@@ -5627,7 +5041,6 @@
                         <a:buSzTx/>
                         <a:buFontTx/>
                         <a:buNone/>
-                        <a:tabLst/>
                         <a:defRPr/>
                       </a:pPr>
                       <a:r>
@@ -5651,11 +5064,6 @@
                   </a:txBody>
                   <a:tcPr/>
                 </a:tc>
-                <a:extLst>
-                  <a:ext uri="{0D108BD9-81ED-4DB2-BD59-A6C34878D82A}">
-                    <a16:rowId xmlns:a16="http://schemas.microsoft.com/office/drawing/2014/main" val="424806131"/>
-                  </a:ext>
-                </a:extLst>
               </a:tr>
               <a:tr h="398236">
                 <a:tc>
@@ -5677,7 +5085,7 @@
                     <a:bodyPr/>
                     <a:lstStyle/>
                     <a:p>
-                      <a:pPr marL="0" marR="0" indent="0" algn="l" defTabSz="914354" rtl="0" eaLnBrk="1" fontAlgn="auto" latinLnBrk="0" hangingPunct="1">
+                      <a:pPr marL="0" marR="0" indent="0" algn="l" defTabSz="913765" rtl="0" eaLnBrk="1" fontAlgn="auto" latinLnBrk="0" hangingPunct="1">
                         <a:lnSpc>
                           <a:spcPct val="100000"/>
                         </a:lnSpc>
@@ -5691,7 +5099,6 @@
                         <a:buSzTx/>
                         <a:buFontTx/>
                         <a:buNone/>
-                        <a:tabLst/>
                         <a:defRPr/>
                       </a:pPr>
                       <a:r>
@@ -5707,11 +5114,6 @@
                   </a:txBody>
                   <a:tcPr/>
                 </a:tc>
-                <a:extLst>
-                  <a:ext uri="{0D108BD9-81ED-4DB2-BD59-A6C34878D82A}">
-                    <a16:rowId xmlns:a16="http://schemas.microsoft.com/office/drawing/2014/main" val="1512289656"/>
-                  </a:ext>
-                </a:extLst>
               </a:tr>
               <a:tr h="444187">
                 <a:tc>
@@ -5723,6 +5125,7 @@
                         <a:rPr lang="en-US" altLang="zh-CN" dirty="0" smtClean="0"/>
                         <a:t>Array</a:t>
                       </a:r>
+                      <a:endParaRPr lang="en-US" altLang="zh-CN" dirty="0" smtClean="0"/>
                     </a:p>
                   </a:txBody>
                   <a:tcPr/>
@@ -5745,11 +5148,6 @@
                   </a:txBody>
                   <a:tcPr/>
                 </a:tc>
-                <a:extLst>
-                  <a:ext uri="{0D108BD9-81ED-4DB2-BD59-A6C34878D82A}">
-                    <a16:rowId xmlns:a16="http://schemas.microsoft.com/office/drawing/2014/main" val="3814169268"/>
-                  </a:ext>
-                </a:extLst>
               </a:tr>
               <a:tr h="459504">
                 <a:tc>
@@ -5784,11 +5182,6 @@
                   </a:txBody>
                   <a:tcPr/>
                 </a:tc>
-                <a:extLst>
-                  <a:ext uri="{0D108BD9-81ED-4DB2-BD59-A6C34878D82A}">
-                    <a16:rowId xmlns:a16="http://schemas.microsoft.com/office/drawing/2014/main" val="1681934711"/>
-                  </a:ext>
-                </a:extLst>
               </a:tr>
               <a:tr h="459504">
                 <a:tc>
@@ -5823,11 +5216,6 @@
                   </a:txBody>
                   <a:tcPr/>
                 </a:tc>
-                <a:extLst>
-                  <a:ext uri="{0D108BD9-81ED-4DB2-BD59-A6C34878D82A}">
-                    <a16:rowId xmlns:a16="http://schemas.microsoft.com/office/drawing/2014/main" val="286249344"/>
-                  </a:ext>
-                </a:extLst>
               </a:tr>
               <a:tr h="472966">
                 <a:tc>
@@ -5870,11 +5258,6 @@
                   </a:txBody>
                   <a:tcPr/>
                 </a:tc>
-                <a:extLst>
-                  <a:ext uri="{0D108BD9-81ED-4DB2-BD59-A6C34878D82A}">
-                    <a16:rowId xmlns:a16="http://schemas.microsoft.com/office/drawing/2014/main" val="659027253"/>
-                  </a:ext>
-                </a:extLst>
               </a:tr>
               <a:tr h="527188">
                 <a:tc>
@@ -5917,22 +5300,12 @@
                   </a:txBody>
                   <a:tcPr/>
                 </a:tc>
-                <a:extLst>
-                  <a:ext uri="{0D108BD9-81ED-4DB2-BD59-A6C34878D82A}">
-                    <a16:rowId xmlns:a16="http://schemas.microsoft.com/office/drawing/2014/main" val="3476014594"/>
-                  </a:ext>
-                </a:extLst>
               </a:tr>
             </a:tbl>
           </a:graphicData>
         </a:graphic>
       </p:graphicFrame>
     </p:spTree>
-    <p:extLst>
-      <p:ext uri="{BB962C8B-B14F-4D97-AF65-F5344CB8AC3E}">
-        <p14:creationId xmlns:p14="http://schemas.microsoft.com/office/powerpoint/2010/main" val="3745746914"/>
-      </p:ext>
-    </p:extLst>
   </p:cSld>
   <p:clrMapOvr>
     <a:masterClrMapping/>
@@ -6019,31 +5392,31 @@
             </a:r>
             <a:r>
               <a:rPr lang="en-US" altLang="zh-CN" dirty="0">
-                <a:hlinkClick r:id="rId2"/>
+                <a:hlinkClick r:id="rId1"/>
               </a:rPr>
               <a:t>Unity </a:t>
             </a:r>
             <a:r>
               <a:rPr lang="en-US" altLang="zh-CN" dirty="0" err="1">
-                <a:hlinkClick r:id="rId2"/>
+                <a:hlinkClick r:id="rId1"/>
               </a:rPr>
               <a:t>WebGL</a:t>
             </a:r>
             <a:r>
               <a:rPr lang="en-US" altLang="zh-CN" dirty="0">
-                <a:hlinkClick r:id="rId2"/>
+                <a:hlinkClick r:id="rId1"/>
               </a:rPr>
               <a:t> Player | </a:t>
             </a:r>
             <a:r>
               <a:rPr lang="en-US" altLang="zh-CN" dirty="0" err="1">
-                <a:hlinkClick r:id="rId2"/>
+                <a:hlinkClick r:id="rId1"/>
               </a:rPr>
               <a:t>ScriptConsole</a:t>
             </a:r>
             <a:r>
               <a:rPr lang="en-US" altLang="zh-CN" dirty="0">
-                <a:hlinkClick r:id="rId2"/>
+                <a:hlinkClick r:id="rId1"/>
               </a:rPr>
               <a:t> (fengyuezhu.com)</a:t>
             </a:r>
@@ -6110,8 +5483,6 @@
           <a:p>
             <a:fld id="{5DD3DB80-B894-403A-B48E-6FDC1A72010E}" type="slidenum">
               <a:rPr lang="zh-CN" altLang="en-US" smtClean="0"/>
-              <a:pPr/>
-              <a:t>6</a:t>
             </a:fld>
             <a:endParaRPr lang="zh-CN" altLang="en-US"/>
           </a:p>
@@ -6126,7 +5497,7 @@
           <p:nvPr/>
         </p:nvPicPr>
         <p:blipFill>
-          <a:blip r:embed="rId3"/>
+          <a:blip r:embed="rId2"/>
           <a:stretch>
             <a:fillRect/>
           </a:stretch>
@@ -6150,7 +5521,7 @@
           <p:nvPr/>
         </p:nvPicPr>
         <p:blipFill>
-          <a:blip r:embed="rId4"/>
+          <a:blip r:embed="rId3"/>
           <a:stretch>
             <a:fillRect/>
           </a:stretch>
@@ -6174,7 +5545,7 @@
           <p:nvPr/>
         </p:nvPicPr>
         <p:blipFill>
-          <a:blip r:embed="rId5"/>
+          <a:blip r:embed="rId4"/>
           <a:stretch>
             <a:fillRect/>
           </a:stretch>
@@ -6190,11 +5561,6 @@
         </p:spPr>
       </p:pic>
     </p:spTree>
-    <p:extLst>
-      <p:ext uri="{BB962C8B-B14F-4D97-AF65-F5344CB8AC3E}">
-        <p14:creationId xmlns:p14="http://schemas.microsoft.com/office/powerpoint/2010/main" val="671077730"/>
-      </p:ext>
-    </p:extLst>
   </p:cSld>
   <p:clrMapOvr>
     <a:masterClrMapping/>
@@ -6279,6 +5645,7 @@
               <a:rPr lang="zh-CN" altLang="en-US" dirty="0"/>
               <a:t>基础语法介绍</a:t>
             </a:r>
+            <a:endParaRPr lang="zh-CN" altLang="en-US" dirty="0"/>
           </a:p>
         </p:txBody>
       </p:sp>
@@ -6318,8 +5685,6 @@
           <a:p>
             <a:fld id="{5DD3DB80-B894-403A-B48E-6FDC1A72010E}" type="slidenum">
               <a:rPr lang="zh-CN" altLang="en-US" smtClean="0"/>
-              <a:pPr/>
-              <a:t>7</a:t>
             </a:fld>
             <a:endParaRPr lang="zh-CN" altLang="en-US"/>
           </a:p>
@@ -6334,7 +5699,7 @@
           <p:nvPr/>
         </p:nvPicPr>
         <p:blipFill>
-          <a:blip r:embed="rId2"/>
+          <a:blip r:embed="rId1"/>
           <a:stretch>
             <a:fillRect/>
           </a:stretch>
@@ -6358,7 +5723,7 @@
           <p:nvPr/>
         </p:nvPicPr>
         <p:blipFill>
-          <a:blip r:embed="rId3"/>
+          <a:blip r:embed="rId2"/>
           <a:stretch>
             <a:fillRect/>
           </a:stretch>
@@ -6374,11 +5739,6 @@
         </p:spPr>
       </p:pic>
     </p:spTree>
-    <p:extLst>
-      <p:ext uri="{BB962C8B-B14F-4D97-AF65-F5344CB8AC3E}">
-        <p14:creationId xmlns:p14="http://schemas.microsoft.com/office/powerpoint/2010/main" val="4076617660"/>
-      </p:ext>
-    </p:extLst>
   </p:cSld>
   <p:clrMapOvr>
     <a:masterClrMapping/>
@@ -6412,13 +5772,7 @@
       </p:grpSpPr>
       <p:sp>
         <p:nvSpPr>
-          <p:cNvPr id="4" name="内容占位符 3">
-            <a:extLst>
-              <a:ext uri="{FF2B5EF4-FFF2-40B4-BE49-F238E27FC236}">
-                <a16:creationId xmlns:a16="http://schemas.microsoft.com/office/drawing/2014/main" id="{31317F1F-A95E-4AC3-8212-1F7E741C5898}"/>
-              </a:ext>
-            </a:extLst>
-          </p:cNvPr>
+          <p:cNvPr id="4" name="内容占位符 3"/>
           <p:cNvSpPr>
             <a:spLocks noGrp="1"/>
           </p:cNvSpPr>
@@ -6520,13 +5874,7 @@
       </p:sp>
       <p:sp>
         <p:nvSpPr>
-          <p:cNvPr id="3" name="标题 2">
-            <a:extLst>
-              <a:ext uri="{FF2B5EF4-FFF2-40B4-BE49-F238E27FC236}">
-                <a16:creationId xmlns:a16="http://schemas.microsoft.com/office/drawing/2014/main" id="{D3EE4A03-DA99-4C31-921B-648D78548812}"/>
-              </a:ext>
-            </a:extLst>
-          </p:cNvPr>
+          <p:cNvPr id="3" name="标题 2"/>
           <p:cNvSpPr>
             <a:spLocks noGrp="1"/>
           </p:cNvSpPr>
@@ -6560,7 +5908,7 @@
           <p:nvPr/>
         </p:nvPicPr>
         <p:blipFill>
-          <a:blip r:embed="rId2"/>
+          <a:blip r:embed="rId1"/>
           <a:stretch>
             <a:fillRect/>
           </a:stretch>
@@ -6576,11 +5924,6 @@
         </p:spPr>
       </p:pic>
     </p:spTree>
-    <p:extLst>
-      <p:ext uri="{BB962C8B-B14F-4D97-AF65-F5344CB8AC3E}">
-        <p14:creationId xmlns:p14="http://schemas.microsoft.com/office/powerpoint/2010/main" val="474949443"/>
-      </p:ext>
-    </p:extLst>
   </p:cSld>
   <p:clrMapOvr>
     <a:masterClrMapping/>
@@ -6614,13 +5957,7 @@
       </p:grpSpPr>
       <p:sp>
         <p:nvSpPr>
-          <p:cNvPr id="4" name="内容占位符 3">
-            <a:extLst>
-              <a:ext uri="{FF2B5EF4-FFF2-40B4-BE49-F238E27FC236}">
-                <a16:creationId xmlns:a16="http://schemas.microsoft.com/office/drawing/2014/main" id="{31317F1F-A95E-4AC3-8212-1F7E741C5898}"/>
-              </a:ext>
-            </a:extLst>
-          </p:cNvPr>
+          <p:cNvPr id="4" name="内容占位符 3"/>
           <p:cNvSpPr>
             <a:spLocks noGrp="1"/>
           </p:cNvSpPr>
@@ -6739,13 +6076,7 @@
       </p:sp>
       <p:sp>
         <p:nvSpPr>
-          <p:cNvPr id="3" name="标题 2">
-            <a:extLst>
-              <a:ext uri="{FF2B5EF4-FFF2-40B4-BE49-F238E27FC236}">
-                <a16:creationId xmlns:a16="http://schemas.microsoft.com/office/drawing/2014/main" id="{D3EE4A03-DA99-4C31-921B-648D78548812}"/>
-              </a:ext>
-            </a:extLst>
-          </p:cNvPr>
+          <p:cNvPr id="3" name="标题 2"/>
           <p:cNvSpPr>
             <a:spLocks noGrp="1"/>
           </p:cNvSpPr>
@@ -6787,7 +6118,7 @@
           <p:nvPr/>
         </p:nvPicPr>
         <p:blipFill>
-          <a:blip r:embed="rId2"/>
+          <a:blip r:embed="rId1"/>
           <a:stretch>
             <a:fillRect/>
           </a:stretch>
@@ -6803,11 +6134,6 @@
         </p:spPr>
       </p:pic>
     </p:spTree>
-    <p:extLst>
-      <p:ext uri="{BB962C8B-B14F-4D97-AF65-F5344CB8AC3E}">
-        <p14:creationId xmlns:p14="http://schemas.microsoft.com/office/powerpoint/2010/main" val="3057161103"/>
-      </p:ext>
-    </p:extLst>
   </p:cSld>
   <p:clrMapOvr>
     <a:masterClrMapping/>
@@ -6820,15 +6146,6 @@
     </p:tnLst>
   </p:timing>
 </p:sld>
-</file>
-
-<file path=ppt/tags/tag1.xml><?xml version="1.0" encoding="utf-8"?>
-<p:tagLst xmlns:a="http://schemas.openxmlformats.org/drawingml/2006/main" xmlns:r="http://schemas.openxmlformats.org/officeDocument/2006/relationships" xmlns:p="http://schemas.openxmlformats.org/presentationml/2006/main">
-  <p:tag name="ISLIDE TOOLS.GUIDESSETTING" val="{&quot;Id&quot;:&quot;2d4375ee-8516-45e0-8956-45702a61a9b6&quot;,&quot;Name&quot;:&quot;iSlide&quot;,&quot;HeaderHeight&quot;:15.0,&quot;FooterHeight&quot;:9.0000000000000036,&quot;SideMargin&quot;:5.4999999999999982,&quot;TopMargin&quot;:0.0,&quot;BottomMargin&quot;:0.0,&quot;IntervalMargin&quot;:1.3999999999999997}"/>
-  <p:tag name="ISLIDE.THEME" val="225bf695-daa2-4759-97b7-6398e4bba18c"/>
-  <p:tag name="THINKCELLUNDODONOTDELETE" val="0"/>
-  <p:tag name="ISLIDE.GUIDESSETTING" val="{&quot;Id&quot;:null,&quot;Name&quot;:&quot;正常&quot;,&quot;HeaderHeight&quot;:15.0,&quot;FooterHeight&quot;:9.0,&quot;SideMargin&quot;:5.5,&quot;TopMargin&quot;:0.0,&quot;BottomMargin&quot;:0.0,&quot;IntervalMargin&quot;:1.5,&quot;SettingType&quot;:&quot;System&quot;}"/>
-</p:tagLst>
 </file>
 
 <file path=ppt/theme/theme1.xml><?xml version="1.0" encoding="utf-8"?>
@@ -7049,10 +6366,9 @@
       </a:style>
     </a:spDef>
   </a:objectDefaults>
-  <a:extraClrSchemeLst/>
   <a:extLst>
     <a:ext uri="{05A4C25C-085E-4340-85A3-A5531E510DB2}">
-      <thm15:themeFamily xmlns:thm15="http://schemas.microsoft.com/office/thememl/2012/main" name="主题5" id="{B8EDB911-D765-4A7B-BBC7-40DBB672FBA6}" vid="{AECAB1C0-5DF6-436C-85E8-20094DBE11C0}"/>
+      <thm15:themeFamily xmlns:thm15="http://schemas.microsoft.com/office/thememl/2012/main" name="Office Theme" id="{62F939B6-93AF-4DB8-9C6B-D6C7DFDC589F}" vid="{4A3C46E8-61CC-4603-A589-7422A47A8E4A}"/>
     </a:ext>
   </a:extLst>
 </a:theme>
@@ -7101,7 +6417,7 @@
     </a:clrScheme>
     <a:fontScheme name="Office">
       <a:majorFont>
-        <a:latin typeface="Calibri Light" panose="020F0302020204030204"/>
+        <a:latin typeface="Calibri Light"/>
         <a:ea typeface=""/>
         <a:cs typeface=""/>
         <a:font script="Jpan" typeface="ＭＳ Ｐゴシック"/>
@@ -7136,7 +6452,7 @@
         <a:font script="Geor" typeface="Sylfaen"/>
       </a:majorFont>
       <a:minorFont>
-        <a:latin typeface="Calibri" panose="020F0502020204030204"/>
+        <a:latin typeface="Calibri"/>
         <a:ea typeface=""/>
         <a:cs typeface=""/>
         <a:font script="Jpan" typeface="ＭＳ Ｐゴシック"/>
@@ -7309,8 +6625,6 @@
       </a:bgFillStyleLst>
     </a:fmtScheme>
   </a:themeElements>
-  <a:objectDefaults/>
-  <a:extraClrSchemeLst/>
   <a:extLst>
     <a:ext uri="{05A4C25C-085E-4340-85A3-A5531E510DB2}">
       <thm15:themeFamily xmlns:thm15="http://schemas.microsoft.com/office/thememl/2012/main" name="Office Theme" id="{62F939B6-93AF-4DB8-9C6B-D6C7DFDC589F}" vid="{4A3C46E8-61CC-4603-A589-7422A47A8E4A}"/>
@@ -7362,7 +6676,7 @@
     </a:clrScheme>
     <a:fontScheme name="Office">
       <a:majorFont>
-        <a:latin typeface="等线 Light" panose="020F0302020204030204"/>
+        <a:latin typeface="等线 Light"/>
         <a:ea typeface=""/>
         <a:cs typeface=""/>
         <a:font script="Jpan" typeface="游ゴシック Light"/>
@@ -7395,26 +6709,9 @@
         <a:font script="Viet" typeface="Times New Roman"/>
         <a:font script="Uigh" typeface="Microsoft Uighur"/>
         <a:font script="Geor" typeface="Sylfaen"/>
-        <a:font script="Armn" typeface="Arial"/>
-        <a:font script="Bugi" typeface="Leelawadee UI"/>
-        <a:font script="Bopo" typeface="Microsoft JhengHei"/>
-        <a:font script="Java" typeface="Javanese Text"/>
-        <a:font script="Lisu" typeface="Segoe UI"/>
-        <a:font script="Mymr" typeface="Myanmar Text"/>
-        <a:font script="Nkoo" typeface="Ebrima"/>
-        <a:font script="Olck" typeface="Nirmala UI"/>
-        <a:font script="Osma" typeface="Ebrima"/>
-        <a:font script="Phag" typeface="Phagspa"/>
-        <a:font script="Syrn" typeface="Estrangelo Edessa"/>
-        <a:font script="Syrj" typeface="Estrangelo Edessa"/>
-        <a:font script="Syre" typeface="Estrangelo Edessa"/>
-        <a:font script="Sora" typeface="Nirmala UI"/>
-        <a:font script="Tale" typeface="Microsoft Tai Le"/>
-        <a:font script="Talu" typeface="Microsoft New Tai Lue"/>
-        <a:font script="Tfng" typeface="Ebrima"/>
       </a:majorFont>
       <a:minorFont>
-        <a:latin typeface="等线" panose="020F0502020204030204"/>
+        <a:latin typeface="等线"/>
         <a:ea typeface=""/>
         <a:cs typeface=""/>
         <a:font script="Jpan" typeface="游ゴシック"/>
@@ -7447,23 +6744,6 @@
         <a:font script="Viet" typeface="Arial"/>
         <a:font script="Uigh" typeface="Microsoft Uighur"/>
         <a:font script="Geor" typeface="Sylfaen"/>
-        <a:font script="Armn" typeface="Arial"/>
-        <a:font script="Bugi" typeface="Leelawadee UI"/>
-        <a:font script="Bopo" typeface="Microsoft JhengHei"/>
-        <a:font script="Java" typeface="Javanese Text"/>
-        <a:font script="Lisu" typeface="Segoe UI"/>
-        <a:font script="Mymr" typeface="Myanmar Text"/>
-        <a:font script="Nkoo" typeface="Ebrima"/>
-        <a:font script="Olck" typeface="Nirmala UI"/>
-        <a:font script="Osma" typeface="Ebrima"/>
-        <a:font script="Phag" typeface="Phagspa"/>
-        <a:font script="Syrn" typeface="Estrangelo Edessa"/>
-        <a:font script="Syrj" typeface="Estrangelo Edessa"/>
-        <a:font script="Syre" typeface="Estrangelo Edessa"/>
-        <a:font script="Sora" typeface="Nirmala UI"/>
-        <a:font script="Tale" typeface="Microsoft Tai Le"/>
-        <a:font script="Talu" typeface="Microsoft New Tai Lue"/>
-        <a:font script="Tfng" typeface="Ebrima"/>
       </a:minorFont>
     </a:fontScheme>
     <a:fmtScheme name="Office">
@@ -7604,8 +6884,6 @@
       </a:bgFillStyleLst>
     </a:fmtScheme>
   </a:themeElements>
-  <a:objectDefaults/>
-  <a:extraClrSchemeLst/>
   <a:extLst>
     <a:ext uri="{05A4C25C-085E-4340-85A3-A5531E510DB2}">
       <thm15:themeFamily xmlns:thm15="http://schemas.microsoft.com/office/thememl/2012/main" name="Office Theme" id="{62F939B6-93AF-4DB8-9C6B-D6C7DFDC589F}" vid="{4A3C46E8-61CC-4603-A589-7422A47A8E4A}"/>
